--- a/trunk/presentation TNO/presentation.pptx
+++ b/trunk/presentation TNO/presentation.pptx
@@ -5,10 +5,10 @@
     <p:sldMasterId id="2147483648" r:id="rId1"/>
   </p:sldMasterIdLst>
   <p:notesMasterIdLst>
-    <p:notesMasterId r:id="rId15"/>
+    <p:notesMasterId r:id="rId23"/>
   </p:notesMasterIdLst>
   <p:handoutMasterIdLst>
-    <p:handoutMasterId r:id="rId16"/>
+    <p:handoutMasterId r:id="rId24"/>
   </p:handoutMasterIdLst>
   <p:sldIdLst>
     <p:sldId id="256" r:id="rId2"/>
@@ -21,9 +21,17 @@
     <p:sldId id="264" r:id="rId9"/>
     <p:sldId id="265" r:id="rId10"/>
     <p:sldId id="266" r:id="rId11"/>
-    <p:sldId id="267" r:id="rId12"/>
-    <p:sldId id="268" r:id="rId13"/>
-    <p:sldId id="269" r:id="rId14"/>
+    <p:sldId id="271" r:id="rId12"/>
+    <p:sldId id="274" r:id="rId13"/>
+    <p:sldId id="275" r:id="rId14"/>
+    <p:sldId id="276" r:id="rId15"/>
+    <p:sldId id="270" r:id="rId16"/>
+    <p:sldId id="277" r:id="rId17"/>
+    <p:sldId id="267" r:id="rId18"/>
+    <p:sldId id="272" r:id="rId19"/>
+    <p:sldId id="273" r:id="rId20"/>
+    <p:sldId id="268" r:id="rId21"/>
+    <p:sldId id="269" r:id="rId22"/>
   </p:sldIdLst>
   <p:sldSz cx="9144000" cy="6858000" type="screen4x3"/>
   <p:notesSz cx="6858000" cy="9144000"/>
@@ -211,7 +219,7 @@
           <a:p>
             <a:fld id="{C5EEFA4B-77C2-481A-ABD0-DB23CAD51848}" type="datetime8">
               <a:rPr lang="nl-NL" smtClean="0"/>
-              <a:t>26-2-2012 14:31</a:t>
+              <a:t>27-2-2012 7:37</a:t>
             </a:fld>
             <a:endParaRPr lang="nl-NL" dirty="0"/>
           </a:p>
@@ -381,7 +389,7 @@
           <a:p>
             <a:fld id="{E6EC21D8-2BA0-4B3C-980A-4A3FF683EAE5}" type="datetime8">
               <a:rPr lang="nl-NL" smtClean="0"/>
-              <a:t>26-2-2012 14:30</a:t>
+              <a:t>27-2-2012 7:37</a:t>
             </a:fld>
             <a:endParaRPr lang="nl-NL" dirty="0"/>
           </a:p>
@@ -650,6 +658,998 @@
 </p:notesMaster>
 </file>
 
+<file path=ppt/notesSlides/notesSlide1.xml><?xml version="1.0" encoding="utf-8"?>
+<p:notes xmlns:a="http://schemas.openxmlformats.org/drawingml/2006/main" xmlns:r="http://schemas.openxmlformats.org/officeDocument/2006/relationships" xmlns:p="http://schemas.openxmlformats.org/presentationml/2006/main">
+  <p:cSld>
+    <p:spTree>
+      <p:nvGrpSpPr>
+        <p:cNvPr id="1" name=""/>
+        <p:cNvGrpSpPr/>
+        <p:nvPr/>
+      </p:nvGrpSpPr>
+      <p:grpSpPr>
+        <a:xfrm>
+          <a:off x="0" y="0"/>
+          <a:ext cx="0" cy="0"/>
+          <a:chOff x="0" y="0"/>
+          <a:chExt cx="0" cy="0"/>
+        </a:xfrm>
+      </p:grpSpPr>
+      <p:sp>
+        <p:nvSpPr>
+          <p:cNvPr id="2" name="Slide Image Placeholder 1"/>
+          <p:cNvSpPr>
+            <a:spLocks noGrp="1" noRot="1" noChangeAspect="1"/>
+          </p:cNvSpPr>
+          <p:nvPr>
+            <p:ph type="sldImg"/>
+          </p:nvPr>
+        </p:nvSpPr>
+        <p:spPr/>
+      </p:sp>
+      <p:sp>
+        <p:nvSpPr>
+          <p:cNvPr id="3" name="Notes Placeholder 2"/>
+          <p:cNvSpPr>
+            <a:spLocks noGrp="1"/>
+          </p:cNvSpPr>
+          <p:nvPr>
+            <p:ph type="body" idx="1"/>
+          </p:nvPr>
+        </p:nvSpPr>
+        <p:spPr/>
+        <p:txBody>
+          <a:bodyPr/>
+          <a:lstStyle/>
+          <a:p>
+            <a:r>
+              <a:rPr lang="en-US" dirty="0" err="1" smtClean="0"/>
+              <a:t>Voor</a:t>
+            </a:r>
+            <a:r>
+              <a:rPr lang="en-US" dirty="0" smtClean="0"/>
+              <a:t> het </a:t>
+            </a:r>
+            <a:r>
+              <a:rPr lang="en-US" dirty="0" err="1" smtClean="0"/>
+              <a:t>trainen</a:t>
+            </a:r>
+            <a:r>
+              <a:rPr lang="en-US" dirty="0" smtClean="0"/>
+              <a:t> van de software die </a:t>
+            </a:r>
+            <a:r>
+              <a:rPr lang="en-US" dirty="0" err="1" smtClean="0"/>
+              <a:t>verdacht</a:t>
+            </a:r>
+            <a:r>
+              <a:rPr lang="en-US" dirty="0" smtClean="0"/>
+              <a:t> </a:t>
+            </a:r>
+            <a:r>
+              <a:rPr lang="en-US" dirty="0" err="1" smtClean="0"/>
+              <a:t>gedrag</a:t>
+            </a:r>
+            <a:r>
+              <a:rPr lang="en-US" dirty="0" smtClean="0"/>
+              <a:t> </a:t>
+            </a:r>
+            <a:r>
+              <a:rPr lang="en-US" dirty="0" err="1" smtClean="0"/>
+              <a:t>moet</a:t>
+            </a:r>
+            <a:r>
+              <a:rPr lang="en-US" dirty="0" smtClean="0"/>
+              <a:t> </a:t>
+            </a:r>
+            <a:r>
+              <a:rPr lang="en-US" dirty="0" err="1" smtClean="0"/>
+              <a:t>herkennen</a:t>
+            </a:r>
+            <a:endParaRPr lang="nl-NL" dirty="0"/>
+          </a:p>
+        </p:txBody>
+      </p:sp>
+      <p:sp>
+        <p:nvSpPr>
+          <p:cNvPr id="4" name="Header Placeholder 3"/>
+          <p:cNvSpPr>
+            <a:spLocks noGrp="1"/>
+          </p:cNvSpPr>
+          <p:nvPr>
+            <p:ph type="hdr" sz="quarter" idx="10"/>
+          </p:nvPr>
+        </p:nvSpPr>
+        <p:spPr/>
+        <p:txBody>
+          <a:bodyPr/>
+          <a:lstStyle/>
+          <a:p>
+            <a:r>
+              <a:rPr lang="nl-NL" smtClean="0"/>
+              <a:t>Titel van de presentatie</a:t>
+            </a:r>
+            <a:endParaRPr lang="nl-NL" dirty="0"/>
+          </a:p>
+        </p:txBody>
+      </p:sp>
+      <p:sp>
+        <p:nvSpPr>
+          <p:cNvPr id="5" name="Date Placeholder 4"/>
+          <p:cNvSpPr>
+            <a:spLocks noGrp="1"/>
+          </p:cNvSpPr>
+          <p:nvPr>
+            <p:ph type="dt" idx="11"/>
+          </p:nvPr>
+        </p:nvSpPr>
+        <p:spPr/>
+        <p:txBody>
+          <a:bodyPr/>
+          <a:lstStyle/>
+          <a:p>
+            <a:fld id="{E6EC21D8-2BA0-4B3C-980A-4A3FF683EAE5}" type="datetime8">
+              <a:rPr lang="nl-NL" smtClean="0"/>
+              <a:t>27-2-2012 14:13</a:t>
+            </a:fld>
+            <a:endParaRPr lang="nl-NL" dirty="0"/>
+          </a:p>
+        </p:txBody>
+      </p:sp>
+      <p:sp>
+        <p:nvSpPr>
+          <p:cNvPr id="6" name="Slide Number Placeholder 5"/>
+          <p:cNvSpPr>
+            <a:spLocks noGrp="1"/>
+          </p:cNvSpPr>
+          <p:nvPr>
+            <p:ph type="sldNum" sz="quarter" idx="12"/>
+          </p:nvPr>
+        </p:nvSpPr>
+        <p:spPr/>
+        <p:txBody>
+          <a:bodyPr/>
+          <a:lstStyle/>
+          <a:p>
+            <a:fld id="{801935DF-413D-4C75-8A60-925A728E0BBB}" type="slidenum">
+              <a:rPr lang="nl-NL" smtClean="0"/>
+              <a:t>2</a:t>
+            </a:fld>
+            <a:endParaRPr lang="nl-NL" dirty="0"/>
+          </a:p>
+        </p:txBody>
+      </p:sp>
+    </p:spTree>
+    <p:extLst>
+      <p:ext uri="{BB962C8B-B14F-4D97-AF65-F5344CB8AC3E}">
+        <p14:creationId xmlns:p14="http://schemas.microsoft.com/office/powerpoint/2010/main" val="3349272133"/>
+      </p:ext>
+    </p:extLst>
+  </p:cSld>
+  <p:clrMapOvr>
+    <a:masterClrMapping/>
+  </p:clrMapOvr>
+</p:notes>
+</file>
+
+<file path=ppt/notesSlides/notesSlide2.xml><?xml version="1.0" encoding="utf-8"?>
+<p:notes xmlns:a="http://schemas.openxmlformats.org/drawingml/2006/main" xmlns:r="http://schemas.openxmlformats.org/officeDocument/2006/relationships" xmlns:p="http://schemas.openxmlformats.org/presentationml/2006/main">
+  <p:cSld>
+    <p:spTree>
+      <p:nvGrpSpPr>
+        <p:cNvPr id="1" name=""/>
+        <p:cNvGrpSpPr/>
+        <p:nvPr/>
+      </p:nvGrpSpPr>
+      <p:grpSpPr>
+        <a:xfrm>
+          <a:off x="0" y="0"/>
+          <a:ext cx="0" cy="0"/>
+          <a:chOff x="0" y="0"/>
+          <a:chExt cx="0" cy="0"/>
+        </a:xfrm>
+      </p:grpSpPr>
+      <p:sp>
+        <p:nvSpPr>
+          <p:cNvPr id="2" name="Slide Image Placeholder 1"/>
+          <p:cNvSpPr>
+            <a:spLocks noGrp="1" noRot="1" noChangeAspect="1"/>
+          </p:cNvSpPr>
+          <p:nvPr>
+            <p:ph type="sldImg"/>
+          </p:nvPr>
+        </p:nvSpPr>
+        <p:spPr/>
+      </p:sp>
+      <p:sp>
+        <p:nvSpPr>
+          <p:cNvPr id="3" name="Notes Placeholder 2"/>
+          <p:cNvSpPr>
+            <a:spLocks noGrp="1"/>
+          </p:cNvSpPr>
+          <p:nvPr>
+            <p:ph type="body" idx="1"/>
+          </p:nvPr>
+        </p:nvSpPr>
+        <p:spPr/>
+        <p:txBody>
+          <a:bodyPr/>
+          <a:lstStyle/>
+          <a:p>
+            <a:r>
+              <a:rPr lang="en-US" dirty="0" err="1" smtClean="0"/>
+              <a:t>Ga</a:t>
+            </a:r>
+            <a:r>
+              <a:rPr lang="en-US" dirty="0" smtClean="0"/>
+              <a:t> </a:t>
+            </a:r>
+            <a:r>
+              <a:rPr lang="en-US" dirty="0" err="1" smtClean="0"/>
+              <a:t>snel</a:t>
+            </a:r>
+            <a:r>
+              <a:rPr lang="en-US" dirty="0" smtClean="0"/>
+              <a:t> door</a:t>
+            </a:r>
+            <a:r>
+              <a:rPr lang="en-US" baseline="0" dirty="0" smtClean="0"/>
+              <a:t> </a:t>
+            </a:r>
+            <a:r>
+              <a:rPr lang="en-US" baseline="0" dirty="0" err="1" smtClean="0"/>
+              <a:t>gerelateerd</a:t>
+            </a:r>
+            <a:r>
+              <a:rPr lang="en-US" baseline="0" dirty="0" smtClean="0"/>
+              <a:t> </a:t>
+            </a:r>
+            <a:r>
+              <a:rPr lang="en-US" baseline="0" dirty="0" err="1" smtClean="0"/>
+              <a:t>onderzoek</a:t>
+            </a:r>
+            <a:r>
+              <a:rPr lang="en-US" baseline="0" dirty="0" smtClean="0"/>
+              <a:t> </a:t>
+            </a:r>
+            <a:r>
+              <a:rPr lang="en-US" baseline="0" dirty="0" err="1" smtClean="0"/>
+              <a:t>heen</a:t>
+            </a:r>
+            <a:endParaRPr lang="nl-NL" dirty="0"/>
+          </a:p>
+        </p:txBody>
+      </p:sp>
+      <p:sp>
+        <p:nvSpPr>
+          <p:cNvPr id="4" name="Header Placeholder 3"/>
+          <p:cNvSpPr>
+            <a:spLocks noGrp="1"/>
+          </p:cNvSpPr>
+          <p:nvPr>
+            <p:ph type="hdr" sz="quarter" idx="10"/>
+          </p:nvPr>
+        </p:nvSpPr>
+        <p:spPr/>
+        <p:txBody>
+          <a:bodyPr/>
+          <a:lstStyle/>
+          <a:p>
+            <a:r>
+              <a:rPr lang="nl-NL" smtClean="0"/>
+              <a:t>Titel van de presentatie</a:t>
+            </a:r>
+            <a:endParaRPr lang="nl-NL" dirty="0"/>
+          </a:p>
+        </p:txBody>
+      </p:sp>
+      <p:sp>
+        <p:nvSpPr>
+          <p:cNvPr id="5" name="Date Placeholder 4"/>
+          <p:cNvSpPr>
+            <a:spLocks noGrp="1"/>
+          </p:cNvSpPr>
+          <p:nvPr>
+            <p:ph type="dt" idx="11"/>
+          </p:nvPr>
+        </p:nvSpPr>
+        <p:spPr/>
+        <p:txBody>
+          <a:bodyPr/>
+          <a:lstStyle/>
+          <a:p>
+            <a:fld id="{E6EC21D8-2BA0-4B3C-980A-4A3FF683EAE5}" type="datetime8">
+              <a:rPr lang="nl-NL" smtClean="0"/>
+              <a:t>28-2-2012 6:13</a:t>
+            </a:fld>
+            <a:endParaRPr lang="nl-NL" dirty="0"/>
+          </a:p>
+        </p:txBody>
+      </p:sp>
+      <p:sp>
+        <p:nvSpPr>
+          <p:cNvPr id="6" name="Slide Number Placeholder 5"/>
+          <p:cNvSpPr>
+            <a:spLocks noGrp="1"/>
+          </p:cNvSpPr>
+          <p:nvPr>
+            <p:ph type="sldNum" sz="quarter" idx="12"/>
+          </p:nvPr>
+        </p:nvSpPr>
+        <p:spPr/>
+        <p:txBody>
+          <a:bodyPr/>
+          <a:lstStyle/>
+          <a:p>
+            <a:fld id="{801935DF-413D-4C75-8A60-925A728E0BBB}" type="slidenum">
+              <a:rPr lang="nl-NL" smtClean="0"/>
+              <a:t>6</a:t>
+            </a:fld>
+            <a:endParaRPr lang="nl-NL" dirty="0"/>
+          </a:p>
+        </p:txBody>
+      </p:sp>
+    </p:spTree>
+    <p:extLst>
+      <p:ext uri="{BB962C8B-B14F-4D97-AF65-F5344CB8AC3E}">
+        <p14:creationId xmlns:p14="http://schemas.microsoft.com/office/powerpoint/2010/main" val="620731003"/>
+      </p:ext>
+    </p:extLst>
+  </p:cSld>
+  <p:clrMapOvr>
+    <a:masterClrMapping/>
+  </p:clrMapOvr>
+</p:notes>
+</file>
+
+<file path=ppt/notesSlides/notesSlide3.xml><?xml version="1.0" encoding="utf-8"?>
+<p:notes xmlns:a="http://schemas.openxmlformats.org/drawingml/2006/main" xmlns:r="http://schemas.openxmlformats.org/officeDocument/2006/relationships" xmlns:p="http://schemas.openxmlformats.org/presentationml/2006/main">
+  <p:cSld>
+    <p:spTree>
+      <p:nvGrpSpPr>
+        <p:cNvPr id="1" name=""/>
+        <p:cNvGrpSpPr/>
+        <p:nvPr/>
+      </p:nvGrpSpPr>
+      <p:grpSpPr>
+        <a:xfrm>
+          <a:off x="0" y="0"/>
+          <a:ext cx="0" cy="0"/>
+          <a:chOff x="0" y="0"/>
+          <a:chExt cx="0" cy="0"/>
+        </a:xfrm>
+      </p:grpSpPr>
+      <p:sp>
+        <p:nvSpPr>
+          <p:cNvPr id="2" name="Slide Image Placeholder 1"/>
+          <p:cNvSpPr>
+            <a:spLocks noGrp="1" noRot="1" noChangeAspect="1"/>
+          </p:cNvSpPr>
+          <p:nvPr>
+            <p:ph type="sldImg"/>
+          </p:nvPr>
+        </p:nvSpPr>
+        <p:spPr/>
+      </p:sp>
+      <p:sp>
+        <p:nvSpPr>
+          <p:cNvPr id="3" name="Notes Placeholder 2"/>
+          <p:cNvSpPr>
+            <a:spLocks noGrp="1"/>
+          </p:cNvSpPr>
+          <p:nvPr>
+            <p:ph type="body" idx="1"/>
+          </p:nvPr>
+        </p:nvSpPr>
+        <p:spPr/>
+        <p:txBody>
+          <a:bodyPr/>
+          <a:lstStyle/>
+          <a:p>
+            <a:r>
+              <a:rPr lang="en-US" dirty="0" err="1" smtClean="0"/>
+              <a:t>Ik</a:t>
+            </a:r>
+            <a:r>
+              <a:rPr lang="en-US" dirty="0" smtClean="0"/>
+              <a:t> </a:t>
+            </a:r>
+            <a:r>
+              <a:rPr lang="en-US" dirty="0" err="1" smtClean="0"/>
+              <a:t>heb</a:t>
+            </a:r>
+            <a:r>
+              <a:rPr lang="en-US" dirty="0" smtClean="0"/>
+              <a:t> de </a:t>
+            </a:r>
+            <a:r>
+              <a:rPr lang="en-US" dirty="0" err="1" smtClean="0"/>
+              <a:t>namen</a:t>
+            </a:r>
+            <a:r>
+              <a:rPr lang="en-US" dirty="0" smtClean="0"/>
+              <a:t> van transitions </a:t>
+            </a:r>
+            <a:r>
+              <a:rPr lang="en-US" dirty="0" err="1" smtClean="0"/>
+              <a:t>gekoppeld</a:t>
+            </a:r>
+            <a:r>
+              <a:rPr lang="en-US" dirty="0" smtClean="0"/>
+              <a:t> </a:t>
+            </a:r>
+            <a:r>
+              <a:rPr lang="en-US" dirty="0" err="1" smtClean="0"/>
+              <a:t>aan</a:t>
+            </a:r>
+            <a:r>
+              <a:rPr lang="en-US" dirty="0" smtClean="0"/>
+              <a:t> </a:t>
+            </a:r>
+            <a:r>
+              <a:rPr lang="en-US" dirty="0" err="1" smtClean="0"/>
+              <a:t>acties</a:t>
+            </a:r>
+            <a:endParaRPr lang="nl-NL" dirty="0"/>
+          </a:p>
+        </p:txBody>
+      </p:sp>
+      <p:sp>
+        <p:nvSpPr>
+          <p:cNvPr id="4" name="Header Placeholder 3"/>
+          <p:cNvSpPr>
+            <a:spLocks noGrp="1"/>
+          </p:cNvSpPr>
+          <p:nvPr>
+            <p:ph type="hdr" sz="quarter" idx="10"/>
+          </p:nvPr>
+        </p:nvSpPr>
+        <p:spPr/>
+        <p:txBody>
+          <a:bodyPr/>
+          <a:lstStyle/>
+          <a:p>
+            <a:r>
+              <a:rPr lang="nl-NL" smtClean="0"/>
+              <a:t>Titel van de presentatie</a:t>
+            </a:r>
+            <a:endParaRPr lang="nl-NL" dirty="0"/>
+          </a:p>
+        </p:txBody>
+      </p:sp>
+      <p:sp>
+        <p:nvSpPr>
+          <p:cNvPr id="5" name="Date Placeholder 4"/>
+          <p:cNvSpPr>
+            <a:spLocks noGrp="1"/>
+          </p:cNvSpPr>
+          <p:nvPr>
+            <p:ph type="dt" idx="11"/>
+          </p:nvPr>
+        </p:nvSpPr>
+        <p:spPr/>
+        <p:txBody>
+          <a:bodyPr/>
+          <a:lstStyle/>
+          <a:p>
+            <a:fld id="{E6EC21D8-2BA0-4B3C-980A-4A3FF683EAE5}" type="datetime8">
+              <a:rPr lang="nl-NL" smtClean="0"/>
+              <a:t>28-2-2012 6:53</a:t>
+            </a:fld>
+            <a:endParaRPr lang="nl-NL" dirty="0"/>
+          </a:p>
+        </p:txBody>
+      </p:sp>
+      <p:sp>
+        <p:nvSpPr>
+          <p:cNvPr id="6" name="Slide Number Placeholder 5"/>
+          <p:cNvSpPr>
+            <a:spLocks noGrp="1"/>
+          </p:cNvSpPr>
+          <p:nvPr>
+            <p:ph type="sldNum" sz="quarter" idx="12"/>
+          </p:nvPr>
+        </p:nvSpPr>
+        <p:spPr/>
+        <p:txBody>
+          <a:bodyPr/>
+          <a:lstStyle/>
+          <a:p>
+            <a:fld id="{801935DF-413D-4C75-8A60-925A728E0BBB}" type="slidenum">
+              <a:rPr lang="nl-NL" smtClean="0"/>
+              <a:t>13</a:t>
+            </a:fld>
+            <a:endParaRPr lang="nl-NL" dirty="0"/>
+          </a:p>
+        </p:txBody>
+      </p:sp>
+    </p:spTree>
+    <p:extLst>
+      <p:ext uri="{BB962C8B-B14F-4D97-AF65-F5344CB8AC3E}">
+        <p14:creationId xmlns:p14="http://schemas.microsoft.com/office/powerpoint/2010/main" val="2123006954"/>
+      </p:ext>
+    </p:extLst>
+  </p:cSld>
+  <p:clrMapOvr>
+    <a:masterClrMapping/>
+  </p:clrMapOvr>
+</p:notes>
+</file>
+
+<file path=ppt/notesSlides/notesSlide4.xml><?xml version="1.0" encoding="utf-8"?>
+<p:notes xmlns:a="http://schemas.openxmlformats.org/drawingml/2006/main" xmlns:r="http://schemas.openxmlformats.org/officeDocument/2006/relationships" xmlns:p="http://schemas.openxmlformats.org/presentationml/2006/main">
+  <p:cSld>
+    <p:spTree>
+      <p:nvGrpSpPr>
+        <p:cNvPr id="1" name=""/>
+        <p:cNvGrpSpPr/>
+        <p:nvPr/>
+      </p:nvGrpSpPr>
+      <p:grpSpPr>
+        <a:xfrm>
+          <a:off x="0" y="0"/>
+          <a:ext cx="0" cy="0"/>
+          <a:chOff x="0" y="0"/>
+          <a:chExt cx="0" cy="0"/>
+        </a:xfrm>
+      </p:grpSpPr>
+      <p:sp>
+        <p:nvSpPr>
+          <p:cNvPr id="2" name="Slide Image Placeholder 1"/>
+          <p:cNvSpPr>
+            <a:spLocks noGrp="1" noRot="1" noChangeAspect="1"/>
+          </p:cNvSpPr>
+          <p:nvPr>
+            <p:ph type="sldImg"/>
+          </p:nvPr>
+        </p:nvSpPr>
+        <p:spPr/>
+      </p:sp>
+      <p:sp>
+        <p:nvSpPr>
+          <p:cNvPr id="3" name="Notes Placeholder 2"/>
+          <p:cNvSpPr>
+            <a:spLocks noGrp="1"/>
+          </p:cNvSpPr>
+          <p:nvPr>
+            <p:ph type="body" idx="1"/>
+          </p:nvPr>
+        </p:nvSpPr>
+        <p:spPr/>
+        <p:txBody>
+          <a:bodyPr/>
+          <a:lstStyle/>
+          <a:p>
+            <a:r>
+              <a:rPr lang="en-US" dirty="0" smtClean="0"/>
+              <a:t>Hoe </a:t>
+            </a:r>
+            <a:r>
+              <a:rPr lang="en-US" dirty="0" err="1" smtClean="0"/>
+              <a:t>beslis</a:t>
+            </a:r>
+            <a:r>
+              <a:rPr lang="en-US" dirty="0" smtClean="0"/>
+              <a:t> je over de </a:t>
+            </a:r>
+            <a:r>
+              <a:rPr lang="en-US" dirty="0" err="1" smtClean="0"/>
+              <a:t>kansen</a:t>
+            </a:r>
+            <a:r>
+              <a:rPr lang="en-US" baseline="0" dirty="0" smtClean="0"/>
+              <a:t> </a:t>
+            </a:r>
+            <a:r>
+              <a:rPr lang="en-US" baseline="0" dirty="0" err="1" smtClean="0"/>
+              <a:t>om</a:t>
+            </a:r>
+            <a:r>
+              <a:rPr lang="en-US" baseline="0" dirty="0" smtClean="0"/>
+              <a:t> </a:t>
+            </a:r>
+            <a:r>
+              <a:rPr lang="en-US" baseline="0" dirty="0" err="1" smtClean="0"/>
+              <a:t>een</a:t>
+            </a:r>
+            <a:r>
+              <a:rPr lang="en-US" baseline="0" dirty="0" smtClean="0"/>
+              <a:t> </a:t>
+            </a:r>
+            <a:r>
+              <a:rPr lang="en-US" baseline="0" dirty="0" err="1" smtClean="0"/>
+              <a:t>bepaalde</a:t>
+            </a:r>
+            <a:r>
+              <a:rPr lang="en-US" baseline="0" dirty="0" smtClean="0"/>
+              <a:t> situation in </a:t>
+            </a:r>
+            <a:r>
+              <a:rPr lang="en-US" baseline="0" dirty="0" err="1" smtClean="0"/>
+              <a:t>te</a:t>
+            </a:r>
+            <a:r>
+              <a:rPr lang="en-US" baseline="0" dirty="0" smtClean="0"/>
+              <a:t> </a:t>
+            </a:r>
+            <a:r>
+              <a:rPr lang="en-US" baseline="0" dirty="0" err="1" smtClean="0"/>
+              <a:t>gaan</a:t>
+            </a:r>
+            <a:r>
+              <a:rPr lang="en-US" baseline="0" dirty="0" smtClean="0"/>
+              <a:t>?</a:t>
+            </a:r>
+            <a:endParaRPr lang="nl-NL" dirty="0"/>
+          </a:p>
+        </p:txBody>
+      </p:sp>
+      <p:sp>
+        <p:nvSpPr>
+          <p:cNvPr id="4" name="Header Placeholder 3"/>
+          <p:cNvSpPr>
+            <a:spLocks noGrp="1"/>
+          </p:cNvSpPr>
+          <p:nvPr>
+            <p:ph type="hdr" sz="quarter" idx="10"/>
+          </p:nvPr>
+        </p:nvSpPr>
+        <p:spPr/>
+        <p:txBody>
+          <a:bodyPr/>
+          <a:lstStyle/>
+          <a:p>
+            <a:r>
+              <a:rPr lang="nl-NL" smtClean="0"/>
+              <a:t>Titel van de presentatie</a:t>
+            </a:r>
+            <a:endParaRPr lang="nl-NL" dirty="0"/>
+          </a:p>
+        </p:txBody>
+      </p:sp>
+      <p:sp>
+        <p:nvSpPr>
+          <p:cNvPr id="5" name="Date Placeholder 4"/>
+          <p:cNvSpPr>
+            <a:spLocks noGrp="1"/>
+          </p:cNvSpPr>
+          <p:nvPr>
+            <p:ph type="dt" idx="11"/>
+          </p:nvPr>
+        </p:nvSpPr>
+        <p:spPr/>
+        <p:txBody>
+          <a:bodyPr/>
+          <a:lstStyle/>
+          <a:p>
+            <a:fld id="{E6EC21D8-2BA0-4B3C-980A-4A3FF683EAE5}" type="datetime8">
+              <a:rPr lang="nl-NL" smtClean="0"/>
+              <a:t>28-2-2012 8:34</a:t>
+            </a:fld>
+            <a:endParaRPr lang="nl-NL" dirty="0"/>
+          </a:p>
+        </p:txBody>
+      </p:sp>
+      <p:sp>
+        <p:nvSpPr>
+          <p:cNvPr id="6" name="Slide Number Placeholder 5"/>
+          <p:cNvSpPr>
+            <a:spLocks noGrp="1"/>
+          </p:cNvSpPr>
+          <p:nvPr>
+            <p:ph type="sldNum" sz="quarter" idx="12"/>
+          </p:nvPr>
+        </p:nvSpPr>
+        <p:spPr/>
+        <p:txBody>
+          <a:bodyPr/>
+          <a:lstStyle/>
+          <a:p>
+            <a:fld id="{801935DF-413D-4C75-8A60-925A728E0BBB}" type="slidenum">
+              <a:rPr lang="nl-NL" smtClean="0"/>
+              <a:t>14</a:t>
+            </a:fld>
+            <a:endParaRPr lang="nl-NL" dirty="0"/>
+          </a:p>
+        </p:txBody>
+      </p:sp>
+    </p:spTree>
+    <p:extLst>
+      <p:ext uri="{BB962C8B-B14F-4D97-AF65-F5344CB8AC3E}">
+        <p14:creationId xmlns:p14="http://schemas.microsoft.com/office/powerpoint/2010/main" val="177871387"/>
+      </p:ext>
+    </p:extLst>
+  </p:cSld>
+  <p:clrMapOvr>
+    <a:masterClrMapping/>
+  </p:clrMapOvr>
+</p:notes>
+</file>
+
+<file path=ppt/notesSlides/notesSlide5.xml><?xml version="1.0" encoding="utf-8"?>
+<p:notes xmlns:a="http://schemas.openxmlformats.org/drawingml/2006/main" xmlns:r="http://schemas.openxmlformats.org/officeDocument/2006/relationships" xmlns:p="http://schemas.openxmlformats.org/presentationml/2006/main">
+  <p:cSld>
+    <p:spTree>
+      <p:nvGrpSpPr>
+        <p:cNvPr id="1" name=""/>
+        <p:cNvGrpSpPr/>
+        <p:nvPr/>
+      </p:nvGrpSpPr>
+      <p:grpSpPr>
+        <a:xfrm>
+          <a:off x="0" y="0"/>
+          <a:ext cx="0" cy="0"/>
+          <a:chOff x="0" y="0"/>
+          <a:chExt cx="0" cy="0"/>
+        </a:xfrm>
+      </p:grpSpPr>
+      <p:sp>
+        <p:nvSpPr>
+          <p:cNvPr id="2" name="Slide Image Placeholder 1"/>
+          <p:cNvSpPr>
+            <a:spLocks noGrp="1" noRot="1" noChangeAspect="1"/>
+          </p:cNvSpPr>
+          <p:nvPr>
+            <p:ph type="sldImg"/>
+          </p:nvPr>
+        </p:nvSpPr>
+        <p:spPr/>
+      </p:sp>
+      <p:sp>
+        <p:nvSpPr>
+          <p:cNvPr id="3" name="Notes Placeholder 2"/>
+          <p:cNvSpPr>
+            <a:spLocks noGrp="1"/>
+          </p:cNvSpPr>
+          <p:nvPr>
+            <p:ph type="body" idx="1"/>
+          </p:nvPr>
+        </p:nvSpPr>
+        <p:spPr/>
+        <p:txBody>
+          <a:bodyPr/>
+          <a:lstStyle/>
+          <a:p>
+            <a:r>
+              <a:rPr lang="en-US" dirty="0" smtClean="0"/>
+              <a:t>Mason </a:t>
+            </a:r>
+            <a:r>
+              <a:rPr lang="en-US" dirty="0" err="1" smtClean="0"/>
+              <a:t>multiagent</a:t>
+            </a:r>
+            <a:r>
+              <a:rPr lang="en-US" dirty="0" smtClean="0"/>
+              <a:t> toolkit</a:t>
+            </a:r>
+            <a:endParaRPr lang="nl-NL" dirty="0"/>
+          </a:p>
+        </p:txBody>
+      </p:sp>
+      <p:sp>
+        <p:nvSpPr>
+          <p:cNvPr id="4" name="Header Placeholder 3"/>
+          <p:cNvSpPr>
+            <a:spLocks noGrp="1"/>
+          </p:cNvSpPr>
+          <p:nvPr>
+            <p:ph type="hdr" sz="quarter" idx="10"/>
+          </p:nvPr>
+        </p:nvSpPr>
+        <p:spPr/>
+        <p:txBody>
+          <a:bodyPr/>
+          <a:lstStyle/>
+          <a:p>
+            <a:r>
+              <a:rPr lang="nl-NL" smtClean="0"/>
+              <a:t>Titel van de presentatie</a:t>
+            </a:r>
+            <a:endParaRPr lang="nl-NL" dirty="0"/>
+          </a:p>
+        </p:txBody>
+      </p:sp>
+      <p:sp>
+        <p:nvSpPr>
+          <p:cNvPr id="5" name="Date Placeholder 4"/>
+          <p:cNvSpPr>
+            <a:spLocks noGrp="1"/>
+          </p:cNvSpPr>
+          <p:nvPr>
+            <p:ph type="dt" idx="11"/>
+          </p:nvPr>
+        </p:nvSpPr>
+        <p:spPr/>
+        <p:txBody>
+          <a:bodyPr/>
+          <a:lstStyle/>
+          <a:p>
+            <a:fld id="{E6EC21D8-2BA0-4B3C-980A-4A3FF683EAE5}" type="datetime8">
+              <a:rPr lang="nl-NL" smtClean="0"/>
+              <a:t>28-2-2012 7:33</a:t>
+            </a:fld>
+            <a:endParaRPr lang="nl-NL" dirty="0"/>
+          </a:p>
+        </p:txBody>
+      </p:sp>
+      <p:sp>
+        <p:nvSpPr>
+          <p:cNvPr id="6" name="Slide Number Placeholder 5"/>
+          <p:cNvSpPr>
+            <a:spLocks noGrp="1"/>
+          </p:cNvSpPr>
+          <p:nvPr>
+            <p:ph type="sldNum" sz="quarter" idx="12"/>
+          </p:nvPr>
+        </p:nvSpPr>
+        <p:spPr/>
+        <p:txBody>
+          <a:bodyPr/>
+          <a:lstStyle/>
+          <a:p>
+            <a:fld id="{801935DF-413D-4C75-8A60-925A728E0BBB}" type="slidenum">
+              <a:rPr lang="nl-NL" smtClean="0"/>
+              <a:t>15</a:t>
+            </a:fld>
+            <a:endParaRPr lang="nl-NL" dirty="0"/>
+          </a:p>
+        </p:txBody>
+      </p:sp>
+    </p:spTree>
+    <p:extLst>
+      <p:ext uri="{BB962C8B-B14F-4D97-AF65-F5344CB8AC3E}">
+        <p14:creationId xmlns:p14="http://schemas.microsoft.com/office/powerpoint/2010/main" val="4134338010"/>
+      </p:ext>
+    </p:extLst>
+  </p:cSld>
+  <p:clrMapOvr>
+    <a:masterClrMapping/>
+  </p:clrMapOvr>
+</p:notes>
+</file>
+
+<file path=ppt/notesSlides/notesSlide6.xml><?xml version="1.0" encoding="utf-8"?>
+<p:notes xmlns:a="http://schemas.openxmlformats.org/drawingml/2006/main" xmlns:r="http://schemas.openxmlformats.org/officeDocument/2006/relationships" xmlns:p="http://schemas.openxmlformats.org/presentationml/2006/main">
+  <p:cSld>
+    <p:spTree>
+      <p:nvGrpSpPr>
+        <p:cNvPr id="1" name=""/>
+        <p:cNvGrpSpPr/>
+        <p:nvPr/>
+      </p:nvGrpSpPr>
+      <p:grpSpPr>
+        <a:xfrm>
+          <a:off x="0" y="0"/>
+          <a:ext cx="0" cy="0"/>
+          <a:chOff x="0" y="0"/>
+          <a:chExt cx="0" cy="0"/>
+        </a:xfrm>
+      </p:grpSpPr>
+      <p:sp>
+        <p:nvSpPr>
+          <p:cNvPr id="2" name="Slide Image Placeholder 1"/>
+          <p:cNvSpPr>
+            <a:spLocks noGrp="1" noRot="1" noChangeAspect="1"/>
+          </p:cNvSpPr>
+          <p:nvPr>
+            <p:ph type="sldImg"/>
+          </p:nvPr>
+        </p:nvSpPr>
+        <p:spPr/>
+      </p:sp>
+      <p:sp>
+        <p:nvSpPr>
+          <p:cNvPr id="3" name="Notes Placeholder 2"/>
+          <p:cNvSpPr>
+            <a:spLocks noGrp="1"/>
+          </p:cNvSpPr>
+          <p:nvPr>
+            <p:ph type="body" idx="1"/>
+          </p:nvPr>
+        </p:nvSpPr>
+        <p:spPr/>
+        <p:txBody>
+          <a:bodyPr/>
+          <a:lstStyle/>
+          <a:p>
+            <a:r>
+              <a:rPr lang="en-US" dirty="0" err="1" smtClean="0"/>
+              <a:t>Cumulatieve</a:t>
+            </a:r>
+            <a:r>
+              <a:rPr lang="en-US" dirty="0" smtClean="0"/>
+              <a:t> </a:t>
+            </a:r>
+            <a:r>
+              <a:rPr lang="en-US" dirty="0" err="1" smtClean="0"/>
+              <a:t>kans</a:t>
+            </a:r>
+            <a:endParaRPr lang="nl-NL" dirty="0"/>
+          </a:p>
+        </p:txBody>
+      </p:sp>
+      <p:sp>
+        <p:nvSpPr>
+          <p:cNvPr id="4" name="Header Placeholder 3"/>
+          <p:cNvSpPr>
+            <a:spLocks noGrp="1"/>
+          </p:cNvSpPr>
+          <p:nvPr>
+            <p:ph type="hdr" sz="quarter" idx="10"/>
+          </p:nvPr>
+        </p:nvSpPr>
+        <p:spPr/>
+        <p:txBody>
+          <a:bodyPr/>
+          <a:lstStyle/>
+          <a:p>
+            <a:r>
+              <a:rPr lang="nl-NL" smtClean="0"/>
+              <a:t>Titel van de presentatie</a:t>
+            </a:r>
+            <a:endParaRPr lang="nl-NL" dirty="0"/>
+          </a:p>
+        </p:txBody>
+      </p:sp>
+      <p:sp>
+        <p:nvSpPr>
+          <p:cNvPr id="5" name="Date Placeholder 4"/>
+          <p:cNvSpPr>
+            <a:spLocks noGrp="1"/>
+          </p:cNvSpPr>
+          <p:nvPr>
+            <p:ph type="dt" idx="11"/>
+          </p:nvPr>
+        </p:nvSpPr>
+        <p:spPr/>
+        <p:txBody>
+          <a:bodyPr/>
+          <a:lstStyle/>
+          <a:p>
+            <a:fld id="{E6EC21D8-2BA0-4B3C-980A-4A3FF683EAE5}" type="datetime8">
+              <a:rPr lang="nl-NL" smtClean="0"/>
+              <a:t>28-2-2012 8:53</a:t>
+            </a:fld>
+            <a:endParaRPr lang="nl-NL" dirty="0"/>
+          </a:p>
+        </p:txBody>
+      </p:sp>
+      <p:sp>
+        <p:nvSpPr>
+          <p:cNvPr id="6" name="Slide Number Placeholder 5"/>
+          <p:cNvSpPr>
+            <a:spLocks noGrp="1"/>
+          </p:cNvSpPr>
+          <p:nvPr>
+            <p:ph type="sldNum" sz="quarter" idx="12"/>
+          </p:nvPr>
+        </p:nvSpPr>
+        <p:spPr/>
+        <p:txBody>
+          <a:bodyPr/>
+          <a:lstStyle/>
+          <a:p>
+            <a:fld id="{801935DF-413D-4C75-8A60-925A728E0BBB}" type="slidenum">
+              <a:rPr lang="nl-NL" smtClean="0"/>
+              <a:t>16</a:t>
+            </a:fld>
+            <a:endParaRPr lang="nl-NL" dirty="0"/>
+          </a:p>
+        </p:txBody>
+      </p:sp>
+    </p:spTree>
+    <p:extLst>
+      <p:ext uri="{BB962C8B-B14F-4D97-AF65-F5344CB8AC3E}">
+        <p14:creationId xmlns:p14="http://schemas.microsoft.com/office/powerpoint/2010/main" val="1383862048"/>
+      </p:ext>
+    </p:extLst>
+  </p:cSld>
+  <p:clrMapOvr>
+    <a:masterClrMapping/>
+  </p:clrMapOvr>
+</p:notes>
+</file>
+
 <file path=ppt/slideLayouts/slideLayout1.xml><?xml version="1.0" encoding="utf-8"?>
 <p:sldLayout xmlns:a="http://schemas.openxmlformats.org/drawingml/2006/main" xmlns:r="http://schemas.openxmlformats.org/officeDocument/2006/relationships" xmlns:p="http://schemas.openxmlformats.org/presentationml/2006/main" preserve="1" userDrawn="1">
   <p:cSld name="Startsheet met TNO-logo">
@@ -698,7 +1698,7 @@
           <a:p>
             <a:fld id="{8C20A429-B45E-485A-B7EA-B6C2660966CB}" type="datetime8">
               <a:rPr lang="nl-NL" smtClean="0"/>
-              <a:t>26-2-2012 14:30</a:t>
+              <a:t>27-2-2012 7:37</a:t>
             </a:fld>
             <a:endParaRPr lang="nl-NL"/>
           </a:p>
@@ -1191,7 +2191,7 @@
           <a:p>
             <a:fld id="{8C20A429-B45E-485A-B7EA-B6C2660966CB}" type="datetime8">
               <a:rPr lang="nl-NL" smtClean="0"/>
-              <a:t>26-2-2012 14:30</a:t>
+              <a:t>27-2-2012 7:37</a:t>
             </a:fld>
             <a:endParaRPr lang="nl-NL"/>
           </a:p>
@@ -1561,7 +2561,7 @@
           <a:p>
             <a:fld id="{779BAA46-1C82-41F8-8CE2-570BC461073F}" type="datetime8">
               <a:rPr lang="nl-NL" smtClean="0"/>
-              <a:t>26-2-2012 14:30</a:t>
+              <a:t>27-2-2012 7:37</a:t>
             </a:fld>
             <a:endParaRPr lang="nl-NL"/>
           </a:p>
@@ -1775,7 +2775,7 @@
           <a:p>
             <a:fld id="{779BAA46-1C82-41F8-8CE2-570BC461073F}" type="datetime8">
               <a:rPr lang="nl-NL" smtClean="0"/>
-              <a:t>26-2-2012 14:30</a:t>
+              <a:t>27-2-2012 7:37</a:t>
             </a:fld>
             <a:endParaRPr lang="nl-NL"/>
           </a:p>
@@ -2033,7 +3033,7 @@
           <a:p>
             <a:fld id="{779BAA46-1C82-41F8-8CE2-570BC461073F}" type="datetime8">
               <a:rPr lang="nl-NL" smtClean="0"/>
-              <a:t>26-2-2012 14:30</a:t>
+              <a:t>27-2-2012 7:37</a:t>
             </a:fld>
             <a:endParaRPr lang="nl-NL"/>
           </a:p>
@@ -2322,7 +3322,7 @@
           <a:p>
             <a:fld id="{779BAA46-1C82-41F8-8CE2-570BC461073F}" type="datetime8">
               <a:rPr lang="nl-NL" smtClean="0"/>
-              <a:t>26-2-2012 14:30</a:t>
+              <a:t>27-2-2012 7:37</a:t>
             </a:fld>
             <a:endParaRPr lang="nl-NL"/>
           </a:p>
@@ -2529,7 +3529,7 @@
           <a:p>
             <a:fld id="{32714777-188F-4E6F-8704-DC2476BE1C56}" type="datetime8">
               <a:rPr lang="nl-NL" smtClean="0"/>
-              <a:t>26-2-2012 14:30</a:t>
+              <a:t>27-2-2012 7:37</a:t>
             </a:fld>
             <a:endParaRPr lang="nl-NL" dirty="0"/>
           </a:p>
@@ -3627,7 +4627,7 @@
           <a:p>
             <a:fld id="{779BAA46-1C82-41F8-8CE2-570BC461073F}" type="datetime8">
               <a:rPr lang="nl-NL" smtClean="0"/>
-              <a:t>26-2-2012 14:30</a:t>
+              <a:t>27-2-2012 7:37</a:t>
             </a:fld>
             <a:endParaRPr lang="nl-NL"/>
           </a:p>
@@ -3782,48 +4782,6 @@
       </p:grpSpPr>
       <p:sp>
         <p:nvSpPr>
-          <p:cNvPr id="2" name="Title 1"/>
-          <p:cNvSpPr>
-            <a:spLocks noGrp="1"/>
-          </p:cNvSpPr>
-          <p:nvPr>
-            <p:ph type="title"/>
-          </p:nvPr>
-        </p:nvSpPr>
-        <p:spPr/>
-        <p:txBody>
-          <a:bodyPr/>
-          <a:lstStyle/>
-          <a:p>
-            <a:r>
-              <a:rPr lang="en-US" dirty="0" err="1" smtClean="0"/>
-              <a:t>Resultaten</a:t>
-            </a:r>
-            <a:endParaRPr lang="nl-NL" dirty="0"/>
-          </a:p>
-        </p:txBody>
-      </p:sp>
-      <p:sp>
-        <p:nvSpPr>
-          <p:cNvPr id="3" name="Content Placeholder 2"/>
-          <p:cNvSpPr>
-            <a:spLocks noGrp="1"/>
-          </p:cNvSpPr>
-          <p:nvPr>
-            <p:ph idx="1"/>
-          </p:nvPr>
-        </p:nvSpPr>
-        <p:spPr/>
-        <p:txBody>
-          <a:bodyPr/>
-          <a:lstStyle/>
-          <a:p>
-            <a:endParaRPr lang="nl-NL"/>
-          </a:p>
-        </p:txBody>
-      </p:sp>
-      <p:sp>
-        <p:nvSpPr>
           <p:cNvPr id="4" name="Date Placeholder 3"/>
           <p:cNvSpPr>
             <a:spLocks noGrp="1"/>
@@ -3839,7 +4797,7 @@
           <a:p>
             <a:fld id="{779BAA46-1C82-41F8-8CE2-570BC461073F}" type="datetime8">
               <a:rPr lang="nl-NL" smtClean="0"/>
-              <a:t>26-2-2012 14:30</a:t>
+              <a:t>27-2-2012 21:29</a:t>
             </a:fld>
             <a:endParaRPr lang="nl-NL"/>
           </a:p>
@@ -3891,10 +4849,51 @@
           </a:p>
         </p:txBody>
       </p:sp>
+      <p:pic>
+        <p:nvPicPr>
+          <p:cNvPr id="3074" name="Picture 2" descr="C:\Users\Compaq\Documents\vakken\afstudeerstage\plaatjes voor arnoud\connectednetsallthree2.png"/>
+          <p:cNvPicPr>
+            <a:picLocks noChangeAspect="1" noChangeArrowheads="1"/>
+          </p:cNvPicPr>
+          <p:nvPr/>
+        </p:nvPicPr>
+        <p:blipFill>
+          <a:blip r:embed="rId2">
+            <a:extLst>
+              <a:ext uri="{28A0092B-C50C-407E-A947-70E740481C1C}">
+                <a14:useLocalDpi xmlns:a14="http://schemas.microsoft.com/office/drawing/2010/main" val="0"/>
+              </a:ext>
+            </a:extLst>
+          </a:blip>
+          <a:srcRect/>
+          <a:stretch>
+            <a:fillRect/>
+          </a:stretch>
+        </p:blipFill>
+        <p:spPr bwMode="auto">
+          <a:xfrm>
+            <a:off x="2123728" y="1700808"/>
+            <a:ext cx="5784205" cy="4657507"/>
+          </a:xfrm>
+          <a:prstGeom prst="rect">
+            <a:avLst/>
+          </a:prstGeom>
+          <a:noFill/>
+          <a:extLst>
+            <a:ext uri="{909E8E84-426E-40DD-AFC4-6F175D3DCCD1}">
+              <a14:hiddenFill xmlns:a14="http://schemas.microsoft.com/office/drawing/2010/main">
+                <a:solidFill>
+                  <a:srgbClr val="FFFFFF"/>
+                </a:solidFill>
+              </a14:hiddenFill>
+            </a:ext>
+          </a:extLst>
+        </p:spPr>
+      </p:pic>
     </p:spTree>
     <p:extLst>
       <p:ext uri="{BB962C8B-B14F-4D97-AF65-F5344CB8AC3E}">
-        <p14:creationId xmlns:p14="http://schemas.microsoft.com/office/powerpoint/2010/main" val="3825581042"/>
+        <p14:creationId xmlns:p14="http://schemas.microsoft.com/office/powerpoint/2010/main" val="2332121307"/>
       </p:ext>
     </p:extLst>
   </p:cSld>
@@ -3944,16 +4943,8 @@
           <a:lstStyle/>
           <a:p>
             <a:r>
-              <a:rPr lang="en-US" dirty="0" err="1" smtClean="0"/>
-              <a:t>Conclusie</a:t>
-            </a:r>
-            <a:r>
-              <a:rPr lang="en-US" dirty="0" smtClean="0"/>
-              <a:t> + </a:t>
-            </a:r>
-            <a:r>
-              <a:rPr lang="en-US" dirty="0" err="1" smtClean="0"/>
-              <a:t>Discussie</a:t>
+              <a:rPr lang="en-US" dirty="0" smtClean="0"/>
+              <a:t>Pipe</a:t>
             </a:r>
             <a:endParaRPr lang="nl-NL" dirty="0"/>
           </a:p>
@@ -3976,41 +4967,7 @@
           <a:p>
             <a:r>
               <a:rPr lang="en-US" dirty="0" smtClean="0"/>
-              <a:t>Het </a:t>
-            </a:r>
-            <a:r>
-              <a:rPr lang="en-US" dirty="0" err="1" smtClean="0"/>
-              <a:t>werkt</a:t>
-            </a:r>
-            <a:r>
-              <a:rPr lang="en-US" dirty="0" smtClean="0"/>
-              <a:t>?</a:t>
-            </a:r>
-          </a:p>
-          <a:p>
-            <a:r>
-              <a:rPr lang="en-US" dirty="0" err="1" smtClean="0"/>
-              <a:t>Beperkingen</a:t>
-            </a:r>
-            <a:endParaRPr lang="en-US" dirty="0"/>
-          </a:p>
-          <a:p>
-            <a:pPr lvl="1"/>
-            <a:r>
-              <a:rPr lang="en-US" dirty="0" err="1" smtClean="0"/>
-              <a:t>Vooral</a:t>
-            </a:r>
-            <a:r>
-              <a:rPr lang="en-US" dirty="0" smtClean="0"/>
-              <a:t> </a:t>
-            </a:r>
-            <a:r>
-              <a:rPr lang="en-US" dirty="0" err="1" smtClean="0"/>
-              <a:t>bedoeld</a:t>
-            </a:r>
-            <a:r>
-              <a:rPr lang="en-US" dirty="0" smtClean="0"/>
-              <a:t> </a:t>
+              <a:t>Toolkit </a:t>
             </a:r>
             <a:r>
               <a:rPr lang="en-US" dirty="0" err="1" smtClean="0"/>
@@ -4018,25 +4975,92 @@
             </a:r>
             <a:r>
               <a:rPr lang="en-US" dirty="0" smtClean="0"/>
-              <a:t> </a:t>
-            </a:r>
-            <a:r>
-              <a:rPr lang="en-US" dirty="0" err="1" smtClean="0"/>
-              <a:t>sequentieel</a:t>
-            </a:r>
-            <a:r>
-              <a:rPr lang="en-US" dirty="0" smtClean="0"/>
-              <a:t> </a:t>
-            </a:r>
-            <a:r>
-              <a:rPr lang="en-US" dirty="0" err="1" smtClean="0"/>
-              <a:t>gedrag</a:t>
-            </a:r>
-            <a:r>
-              <a:rPr lang="en-US" dirty="0" smtClean="0"/>
-              <a:t>.</a:t>
-            </a:r>
-            <a:endParaRPr lang="nl-NL" dirty="0"/>
+              <a:t> het </a:t>
+            </a:r>
+            <a:r>
+              <a:rPr lang="en-US" dirty="0" err="1" smtClean="0"/>
+              <a:t>creeeren</a:t>
+            </a:r>
+            <a:r>
+              <a:rPr lang="en-US" dirty="0" smtClean="0"/>
+              <a:t> en </a:t>
+            </a:r>
+            <a:r>
+              <a:rPr lang="en-US" dirty="0" err="1" smtClean="0"/>
+              <a:t>controleren</a:t>
+            </a:r>
+            <a:r>
+              <a:rPr lang="en-US" dirty="0" smtClean="0"/>
+              <a:t> van Petri nets</a:t>
+            </a:r>
+          </a:p>
+          <a:p>
+            <a:r>
+              <a:rPr lang="en-US" dirty="0" err="1" smtClean="0"/>
+              <a:t>Gekozen</a:t>
+            </a:r>
+            <a:r>
+              <a:rPr lang="en-US" dirty="0" smtClean="0"/>
+              <a:t> </a:t>
+            </a:r>
+            <a:r>
+              <a:rPr lang="en-US" dirty="0" err="1" smtClean="0"/>
+              <a:t>vanwege</a:t>
+            </a:r>
+            <a:r>
+              <a:rPr lang="en-US" dirty="0" smtClean="0"/>
+              <a:t> “timed Petri nets”</a:t>
+            </a:r>
+            <a:endParaRPr lang="nl-NL" dirty="0" smtClean="0"/>
+          </a:p>
+          <a:p>
+            <a:r>
+              <a:rPr lang="en-US" dirty="0" smtClean="0"/>
+              <a:t>“Timed” </a:t>
+            </a:r>
+            <a:r>
+              <a:rPr lang="en-US" dirty="0" err="1" smtClean="0"/>
+              <a:t>gedeelte</a:t>
+            </a:r>
+            <a:r>
+              <a:rPr lang="en-US" dirty="0" smtClean="0"/>
+              <a:t> </a:t>
+            </a:r>
+            <a:r>
+              <a:rPr lang="en-US" dirty="0" err="1" smtClean="0"/>
+              <a:t>helaas</a:t>
+            </a:r>
+            <a:r>
+              <a:rPr lang="en-US" dirty="0" smtClean="0"/>
+              <a:t> </a:t>
+            </a:r>
+            <a:r>
+              <a:rPr lang="en-US" dirty="0" err="1" smtClean="0"/>
+              <a:t>uiteindelijk</a:t>
+            </a:r>
+            <a:r>
+              <a:rPr lang="en-US" dirty="0" smtClean="0"/>
+              <a:t> </a:t>
+            </a:r>
+            <a:r>
+              <a:rPr lang="en-US" dirty="0" err="1" smtClean="0"/>
+              <a:t>niet</a:t>
+            </a:r>
+            <a:r>
+              <a:rPr lang="en-US" dirty="0" smtClean="0"/>
+              <a:t> </a:t>
+            </a:r>
+            <a:r>
+              <a:rPr lang="en-US" dirty="0" err="1" smtClean="0"/>
+              <a:t>bruikbaar</a:t>
+            </a:r>
+            <a:endParaRPr lang="en-US" dirty="0" smtClean="0"/>
+          </a:p>
+          <a:p>
+            <a:pPr marL="0" indent="0">
+              <a:buNone/>
+            </a:pPr>
+            <a:endParaRPr lang="en-US" dirty="0" smtClean="0"/>
           </a:p>
         </p:txBody>
       </p:sp>
@@ -4057,7 +5081,7 @@
           <a:p>
             <a:fld id="{779BAA46-1C82-41F8-8CE2-570BC461073F}" type="datetime8">
               <a:rPr lang="nl-NL" smtClean="0"/>
-              <a:t>26-2-2012 14:30</a:t>
+              <a:t>28-2-2012 6:26</a:t>
             </a:fld>
             <a:endParaRPr lang="nl-NL"/>
           </a:p>
@@ -4112,7 +5136,7 @@
     </p:spTree>
     <p:extLst>
       <p:ext uri="{BB962C8B-B14F-4D97-AF65-F5344CB8AC3E}">
-        <p14:creationId xmlns:p14="http://schemas.microsoft.com/office/powerpoint/2010/main" val="1152236447"/>
+        <p14:creationId xmlns:p14="http://schemas.microsoft.com/office/powerpoint/2010/main" val="276820933"/>
       </p:ext>
     </p:extLst>
   </p:cSld>
@@ -4162,12 +5186,8 @@
           <a:lstStyle/>
           <a:p>
             <a:r>
-              <a:rPr lang="en-US" dirty="0" err="1" smtClean="0"/>
-              <a:t>Vragen</a:t>
-            </a:r>
-            <a:r>
-              <a:rPr lang="en-US" dirty="0" smtClean="0"/>
-              <a:t>?</a:t>
+              <a:rPr lang="en-US" dirty="0" smtClean="0"/>
+              <a:t>Pipe</a:t>
             </a:r>
             <a:endParaRPr lang="nl-NL" dirty="0"/>
           </a:p>
@@ -4188,7 +5208,7 @@
           <a:bodyPr/>
           <a:lstStyle/>
           <a:p>
-            <a:endParaRPr lang="nl-NL"/>
+            <a:endParaRPr lang="nl-NL" dirty="0"/>
           </a:p>
         </p:txBody>
       </p:sp>
@@ -4209,7 +5229,7 @@
           <a:p>
             <a:fld id="{779BAA46-1C82-41F8-8CE2-570BC461073F}" type="datetime8">
               <a:rPr lang="nl-NL" smtClean="0"/>
-              <a:t>26-2-2012 14:31</a:t>
+              <a:t>28-2-2012 6:32</a:t>
             </a:fld>
             <a:endParaRPr lang="nl-NL"/>
           </a:p>
@@ -4261,10 +5281,1427 @@
           </a:p>
         </p:txBody>
       </p:sp>
+      <p:pic>
+        <p:nvPicPr>
+          <p:cNvPr id="4098" name="Picture 2"/>
+          <p:cNvPicPr>
+            <a:picLocks noChangeAspect="1" noChangeArrowheads="1"/>
+          </p:cNvPicPr>
+          <p:nvPr/>
+        </p:nvPicPr>
+        <p:blipFill>
+          <a:blip r:embed="rId3">
+            <a:extLst>
+              <a:ext uri="{28A0092B-C50C-407E-A947-70E740481C1C}">
+                <a14:useLocalDpi xmlns:a14="http://schemas.microsoft.com/office/drawing/2010/main" val="0"/>
+              </a:ext>
+            </a:extLst>
+          </a:blip>
+          <a:srcRect/>
+          <a:stretch>
+            <a:fillRect/>
+          </a:stretch>
+        </p:blipFill>
+        <p:spPr bwMode="auto">
+          <a:xfrm>
+            <a:off x="155712" y="1772816"/>
+            <a:ext cx="8818595" cy="4957437"/>
+          </a:xfrm>
+          <a:prstGeom prst="rect">
+            <a:avLst/>
+          </a:prstGeom>
+          <a:noFill/>
+          <a:ln>
+            <a:noFill/>
+          </a:ln>
+          <a:effectLst/>
+          <a:extLst>
+            <a:ext uri="{909E8E84-426E-40DD-AFC4-6F175D3DCCD1}">
+              <a14:hiddenFill xmlns:a14="http://schemas.microsoft.com/office/drawing/2010/main">
+                <a:solidFill>
+                  <a:schemeClr val="accent1"/>
+                </a:solidFill>
+              </a14:hiddenFill>
+            </a:ext>
+            <a:ext uri="{91240B29-F687-4F45-9708-019B960494DF}">
+              <a14:hiddenLine xmlns:a14="http://schemas.microsoft.com/office/drawing/2010/main" w="9525">
+                <a:solidFill>
+                  <a:schemeClr val="tx1"/>
+                </a:solidFill>
+                <a:miter lim="800000"/>
+                <a:headEnd/>
+                <a:tailEnd/>
+              </a14:hiddenLine>
+            </a:ext>
+            <a:ext uri="{AF507438-7753-43E0-B8FC-AC1667EBCBE1}">
+              <a14:hiddenEffects xmlns:a14="http://schemas.microsoft.com/office/drawing/2010/main">
+                <a:effectLst>
+                  <a:outerShdw dist="35921" dir="2700000" algn="ctr" rotWithShape="0">
+                    <a:schemeClr val="bg2"/>
+                  </a:outerShdw>
+                </a:effectLst>
+              </a14:hiddenEffects>
+            </a:ext>
+          </a:extLst>
+        </p:spPr>
+      </p:pic>
     </p:spTree>
     <p:extLst>
       <p:ext uri="{BB962C8B-B14F-4D97-AF65-F5344CB8AC3E}">
-        <p14:creationId xmlns:p14="http://schemas.microsoft.com/office/powerpoint/2010/main" val="4045587664"/>
+        <p14:creationId xmlns:p14="http://schemas.microsoft.com/office/powerpoint/2010/main" val="3797586992"/>
+      </p:ext>
+    </p:extLst>
+  </p:cSld>
+  <p:clrMapOvr>
+    <a:masterClrMapping/>
+  </p:clrMapOvr>
+  <p:timing>
+    <p:tnLst>
+      <p:par>
+        <p:cTn id="1" dur="indefinite" restart="never" nodeType="tmRoot"/>
+      </p:par>
+    </p:tnLst>
+  </p:timing>
+</p:sld>
+</file>
+
+<file path=ppt/slides/slide14.xml><?xml version="1.0" encoding="utf-8"?>
+<p:sld xmlns:a="http://schemas.openxmlformats.org/drawingml/2006/main" xmlns:r="http://schemas.openxmlformats.org/officeDocument/2006/relationships" xmlns:p="http://schemas.openxmlformats.org/presentationml/2006/main">
+  <p:cSld>
+    <p:spTree>
+      <p:nvGrpSpPr>
+        <p:cNvPr id="1" name=""/>
+        <p:cNvGrpSpPr/>
+        <p:nvPr/>
+      </p:nvGrpSpPr>
+      <p:grpSpPr>
+        <a:xfrm>
+          <a:off x="0" y="0"/>
+          <a:ext cx="0" cy="0"/>
+          <a:chOff x="0" y="0"/>
+          <a:chExt cx="0" cy="0"/>
+        </a:xfrm>
+      </p:grpSpPr>
+      <p:sp>
+        <p:nvSpPr>
+          <p:cNvPr id="2" name="Title 1"/>
+          <p:cNvSpPr>
+            <a:spLocks noGrp="1"/>
+          </p:cNvSpPr>
+          <p:nvPr>
+            <p:ph type="title"/>
+          </p:nvPr>
+        </p:nvSpPr>
+        <p:spPr/>
+        <p:txBody>
+          <a:bodyPr/>
+          <a:lstStyle/>
+          <a:p>
+            <a:r>
+              <a:rPr lang="en-US" dirty="0" smtClean="0"/>
+              <a:t>Hoe </a:t>
+            </a:r>
+            <a:r>
+              <a:rPr lang="en-US" dirty="0" err="1" smtClean="0"/>
+              <a:t>beslis</a:t>
+            </a:r>
+            <a:r>
+              <a:rPr lang="en-US" dirty="0" smtClean="0"/>
+              <a:t> je over de </a:t>
+            </a:r>
+            <a:r>
+              <a:rPr lang="en-US" dirty="0" err="1" smtClean="0"/>
+              <a:t>kansen</a:t>
+            </a:r>
+            <a:r>
+              <a:rPr lang="en-US" dirty="0"/>
+              <a:t>?</a:t>
+            </a:r>
+            <a:endParaRPr lang="nl-NL" dirty="0"/>
+          </a:p>
+        </p:txBody>
+      </p:sp>
+      <p:sp>
+        <p:nvSpPr>
+          <p:cNvPr id="3" name="Content Placeholder 2"/>
+          <p:cNvSpPr>
+            <a:spLocks noGrp="1"/>
+          </p:cNvSpPr>
+          <p:nvPr>
+            <p:ph idx="1"/>
+          </p:nvPr>
+        </p:nvSpPr>
+        <p:spPr/>
+        <p:txBody>
+          <a:bodyPr/>
+          <a:lstStyle/>
+          <a:p>
+            <a:r>
+              <a:rPr lang="en-US" dirty="0" err="1" smtClean="0"/>
+              <a:t>Maak</a:t>
+            </a:r>
+            <a:r>
+              <a:rPr lang="en-US" dirty="0" smtClean="0"/>
+              <a:t> </a:t>
+            </a:r>
+            <a:r>
+              <a:rPr lang="en-US" dirty="0" err="1" smtClean="0"/>
+              <a:t>schatting</a:t>
+            </a:r>
+            <a:r>
+              <a:rPr lang="en-US" dirty="0" smtClean="0"/>
+              <a:t> van </a:t>
+            </a:r>
+            <a:r>
+              <a:rPr lang="en-US" dirty="0" err="1" smtClean="0"/>
+              <a:t>hoeveel</a:t>
+            </a:r>
+            <a:r>
+              <a:rPr lang="en-US" dirty="0" smtClean="0"/>
+              <a:t> </a:t>
+            </a:r>
+            <a:r>
+              <a:rPr lang="en-US" dirty="0" err="1" smtClean="0"/>
+              <a:t>tijd</a:t>
+            </a:r>
+            <a:r>
+              <a:rPr lang="en-US" dirty="0" smtClean="0"/>
+              <a:t> </a:t>
+            </a:r>
+            <a:r>
+              <a:rPr lang="en-US" dirty="0" err="1" smtClean="0"/>
+              <a:t>een</a:t>
+            </a:r>
+            <a:r>
+              <a:rPr lang="en-US" dirty="0" smtClean="0"/>
+              <a:t> situation </a:t>
+            </a:r>
+            <a:r>
+              <a:rPr lang="en-US" dirty="0" err="1" smtClean="0"/>
+              <a:t>kost</a:t>
+            </a:r>
+            <a:r>
+              <a:rPr lang="en-US" dirty="0" smtClean="0"/>
+              <a:t>:</a:t>
+            </a:r>
+          </a:p>
+          <a:p>
+            <a:pPr lvl="1"/>
+            <a:r>
+              <a:rPr lang="en-US" dirty="0" err="1" smtClean="0"/>
+              <a:t>Dijkstra’s</a:t>
+            </a:r>
+            <a:r>
+              <a:rPr lang="en-US" dirty="0" smtClean="0"/>
+              <a:t> shortest path algorithm</a:t>
+            </a:r>
+          </a:p>
+          <a:p>
+            <a:pPr lvl="1"/>
+            <a:r>
+              <a:rPr lang="en-US" dirty="0" err="1" smtClean="0"/>
+              <a:t>Gebruik</a:t>
+            </a:r>
+            <a:r>
+              <a:rPr lang="en-US" dirty="0" smtClean="0"/>
+              <a:t> </a:t>
+            </a:r>
+            <a:r>
+              <a:rPr lang="en-US" dirty="0" err="1" smtClean="0"/>
+              <a:t>schatting</a:t>
+            </a:r>
+            <a:r>
+              <a:rPr lang="en-US" dirty="0" smtClean="0"/>
+              <a:t> </a:t>
+            </a:r>
+            <a:r>
+              <a:rPr lang="en-US" dirty="0" err="1" smtClean="0"/>
+              <a:t>om</a:t>
+            </a:r>
+            <a:r>
+              <a:rPr lang="en-US" dirty="0" smtClean="0"/>
+              <a:t> </a:t>
+            </a:r>
+            <a:r>
+              <a:rPr lang="en-US" dirty="0" err="1" smtClean="0"/>
+              <a:t>overgebleven</a:t>
+            </a:r>
+            <a:r>
+              <a:rPr lang="en-US" dirty="0" smtClean="0"/>
+              <a:t> </a:t>
+            </a:r>
+            <a:r>
+              <a:rPr lang="en-US" dirty="0" err="1" smtClean="0"/>
+              <a:t>tijd</a:t>
+            </a:r>
+            <a:r>
+              <a:rPr lang="en-US" dirty="0" smtClean="0"/>
+              <a:t> </a:t>
+            </a:r>
+            <a:r>
+              <a:rPr lang="en-US" dirty="0" err="1" smtClean="0"/>
+              <a:t>te</a:t>
+            </a:r>
+            <a:r>
+              <a:rPr lang="en-US" dirty="0" smtClean="0"/>
+              <a:t> </a:t>
+            </a:r>
+            <a:r>
+              <a:rPr lang="en-US" dirty="0" err="1" smtClean="0"/>
+              <a:t>berekenen</a:t>
+            </a:r>
+            <a:r>
+              <a:rPr lang="en-US" dirty="0" smtClean="0"/>
+              <a:t> </a:t>
+            </a:r>
+            <a:r>
+              <a:rPr lang="en-US" dirty="0" err="1" smtClean="0"/>
+              <a:t>na</a:t>
+            </a:r>
+            <a:r>
+              <a:rPr lang="en-US" dirty="0" smtClean="0"/>
+              <a:t> situation </a:t>
+            </a:r>
+            <a:r>
+              <a:rPr lang="en-US" dirty="0" err="1" smtClean="0"/>
+              <a:t>acties</a:t>
+            </a:r>
+            <a:r>
+              <a:rPr lang="en-US" dirty="0" smtClean="0"/>
+              <a:t>.</a:t>
+            </a:r>
+          </a:p>
+          <a:p>
+            <a:pPr lvl="1"/>
+            <a:r>
+              <a:rPr lang="en-US" dirty="0" err="1" smtClean="0"/>
+              <a:t>Gebruik</a:t>
+            </a:r>
+            <a:r>
+              <a:rPr lang="en-US" dirty="0" smtClean="0"/>
+              <a:t> </a:t>
+            </a:r>
+            <a:r>
+              <a:rPr lang="en-US" dirty="0" err="1" smtClean="0"/>
+              <a:t>deze</a:t>
+            </a:r>
+            <a:r>
+              <a:rPr lang="en-US" dirty="0" smtClean="0"/>
+              <a:t> </a:t>
+            </a:r>
+            <a:r>
+              <a:rPr lang="en-US" dirty="0" err="1" smtClean="0"/>
+              <a:t>tijd</a:t>
+            </a:r>
+            <a:r>
+              <a:rPr lang="en-US" dirty="0" smtClean="0"/>
+              <a:t> </a:t>
+            </a:r>
+            <a:r>
+              <a:rPr lang="en-US" dirty="0" err="1" smtClean="0"/>
+              <a:t>om</a:t>
+            </a:r>
+            <a:r>
+              <a:rPr lang="en-US" dirty="0" smtClean="0"/>
+              <a:t> de </a:t>
+            </a:r>
+            <a:r>
+              <a:rPr lang="en-US" dirty="0" err="1" smtClean="0"/>
+              <a:t>kansverspreiding</a:t>
+            </a:r>
+            <a:r>
+              <a:rPr lang="en-US" dirty="0" smtClean="0"/>
+              <a:t> </a:t>
+            </a:r>
+            <a:r>
+              <a:rPr lang="en-US" dirty="0" err="1" smtClean="0"/>
+              <a:t>te</a:t>
+            </a:r>
+            <a:r>
+              <a:rPr lang="en-US" dirty="0" smtClean="0"/>
+              <a:t> </a:t>
+            </a:r>
+            <a:r>
+              <a:rPr lang="en-US" dirty="0" err="1" smtClean="0"/>
+              <a:t>bepalen</a:t>
+            </a:r>
+            <a:r>
+              <a:rPr lang="en-US" dirty="0" smtClean="0"/>
+              <a:t>.</a:t>
+            </a:r>
+          </a:p>
+          <a:p>
+            <a:pPr lvl="2"/>
+            <a:r>
+              <a:rPr lang="en-US" dirty="0" err="1" smtClean="0"/>
+              <a:t>Bijvoorbeeld</a:t>
+            </a:r>
+            <a:r>
+              <a:rPr lang="en-US" dirty="0" smtClean="0"/>
+              <a:t>: </a:t>
+            </a:r>
+            <a:r>
+              <a:rPr lang="en-US" dirty="0" err="1" smtClean="0"/>
+              <a:t>Sigmoide</a:t>
+            </a:r>
+            <a:r>
+              <a:rPr lang="en-US" dirty="0" smtClean="0"/>
+              <a:t> </a:t>
+            </a:r>
+            <a:r>
+              <a:rPr lang="en-US" dirty="0" err="1" smtClean="0"/>
+              <a:t>functie</a:t>
+            </a:r>
+            <a:endParaRPr lang="en-US" dirty="0" smtClean="0"/>
+          </a:p>
+          <a:p>
+            <a:pPr lvl="2"/>
+            <a:endParaRPr lang="en-US" dirty="0"/>
+          </a:p>
+          <a:p>
+            <a:pPr lvl="2"/>
+            <a:endParaRPr lang="nl-NL" dirty="0"/>
+          </a:p>
+        </p:txBody>
+      </p:sp>
+      <p:sp>
+        <p:nvSpPr>
+          <p:cNvPr id="4" name="Date Placeholder 3"/>
+          <p:cNvSpPr>
+            <a:spLocks noGrp="1"/>
+          </p:cNvSpPr>
+          <p:nvPr>
+            <p:ph type="dt" sz="half" idx="10"/>
+          </p:nvPr>
+        </p:nvSpPr>
+        <p:spPr/>
+        <p:txBody>
+          <a:bodyPr/>
+          <a:lstStyle/>
+          <a:p>
+            <a:fld id="{779BAA46-1C82-41F8-8CE2-570BC461073F}" type="datetime8">
+              <a:rPr lang="nl-NL" smtClean="0"/>
+              <a:t>28-2-2012 8:34</a:t>
+            </a:fld>
+            <a:endParaRPr lang="nl-NL"/>
+          </a:p>
+        </p:txBody>
+      </p:sp>
+      <p:sp>
+        <p:nvSpPr>
+          <p:cNvPr id="5" name="Footer Placeholder 4"/>
+          <p:cNvSpPr>
+            <a:spLocks noGrp="1"/>
+          </p:cNvSpPr>
+          <p:nvPr>
+            <p:ph type="ftr" sz="quarter" idx="11"/>
+          </p:nvPr>
+        </p:nvSpPr>
+        <p:spPr/>
+        <p:txBody>
+          <a:bodyPr/>
+          <a:lstStyle/>
+          <a:p>
+            <a:r>
+              <a:rPr lang="nl-NL" smtClean="0"/>
+              <a:t>Titel van de presentatie</a:t>
+            </a:r>
+            <a:endParaRPr lang="nl-NL"/>
+          </a:p>
+        </p:txBody>
+      </p:sp>
+      <p:sp>
+        <p:nvSpPr>
+          <p:cNvPr id="6" name="Slide Number Placeholder 5"/>
+          <p:cNvSpPr>
+            <a:spLocks noGrp="1"/>
+          </p:cNvSpPr>
+          <p:nvPr>
+            <p:ph type="sldNum" sz="quarter" idx="12"/>
+          </p:nvPr>
+        </p:nvSpPr>
+        <p:spPr/>
+        <p:txBody>
+          <a:bodyPr/>
+          <a:lstStyle/>
+          <a:p>
+            <a:fld id="{52236286-4DC8-46DE-9269-8F728FBC0641}" type="slidenum">
+              <a:rPr lang="nl-NL" smtClean="0"/>
+              <a:t>14</a:t>
+            </a:fld>
+            <a:endParaRPr lang="nl-NL"/>
+          </a:p>
+        </p:txBody>
+      </p:sp>
+      <p:pic>
+        <p:nvPicPr>
+          <p:cNvPr id="7" name="Picture 6"/>
+          <p:cNvPicPr>
+            <a:picLocks noChangeAspect="1"/>
+          </p:cNvPicPr>
+          <p:nvPr/>
+        </p:nvPicPr>
+        <p:blipFill>
+          <a:blip r:embed="rId3">
+            <a:extLst>
+              <a:ext uri="{28A0092B-C50C-407E-A947-70E740481C1C}">
+                <a14:useLocalDpi xmlns:a14="http://schemas.microsoft.com/office/drawing/2010/main" val="0"/>
+              </a:ext>
+            </a:extLst>
+          </a:blip>
+          <a:stretch>
+            <a:fillRect/>
+          </a:stretch>
+        </p:blipFill>
+        <p:spPr>
+          <a:xfrm>
+            <a:off x="4860032" y="4069834"/>
+            <a:ext cx="4186436" cy="2788166"/>
+          </a:xfrm>
+          <a:prstGeom prst="rect">
+            <a:avLst/>
+          </a:prstGeom>
+        </p:spPr>
+      </p:pic>
+    </p:spTree>
+    <p:extLst>
+      <p:ext uri="{BB962C8B-B14F-4D97-AF65-F5344CB8AC3E}">
+        <p14:creationId xmlns:p14="http://schemas.microsoft.com/office/powerpoint/2010/main" val="3778271619"/>
+      </p:ext>
+    </p:extLst>
+  </p:cSld>
+  <p:clrMapOvr>
+    <a:masterClrMapping/>
+  </p:clrMapOvr>
+  <p:timing>
+    <p:tnLst>
+      <p:par>
+        <p:cTn id="1" dur="indefinite" restart="never" nodeType="tmRoot"/>
+      </p:par>
+    </p:tnLst>
+  </p:timing>
+</p:sld>
+</file>
+
+<file path=ppt/slides/slide15.xml><?xml version="1.0" encoding="utf-8"?>
+<p:sld xmlns:a="http://schemas.openxmlformats.org/drawingml/2006/main" xmlns:r="http://schemas.openxmlformats.org/officeDocument/2006/relationships" xmlns:p="http://schemas.openxmlformats.org/presentationml/2006/main">
+  <p:cSld>
+    <p:spTree>
+      <p:nvGrpSpPr>
+        <p:cNvPr id="1" name=""/>
+        <p:cNvGrpSpPr/>
+        <p:nvPr/>
+      </p:nvGrpSpPr>
+      <p:grpSpPr>
+        <a:xfrm>
+          <a:off x="0" y="0"/>
+          <a:ext cx="0" cy="0"/>
+          <a:chOff x="0" y="0"/>
+          <a:chExt cx="0" cy="0"/>
+        </a:xfrm>
+      </p:grpSpPr>
+      <p:sp>
+        <p:nvSpPr>
+          <p:cNvPr id="2" name="Title 1"/>
+          <p:cNvSpPr>
+            <a:spLocks noGrp="1"/>
+          </p:cNvSpPr>
+          <p:nvPr>
+            <p:ph type="title"/>
+          </p:nvPr>
+        </p:nvSpPr>
+        <p:spPr/>
+        <p:txBody>
+          <a:bodyPr/>
+          <a:lstStyle/>
+          <a:p>
+            <a:r>
+              <a:rPr lang="en-US" dirty="0" err="1" smtClean="0"/>
+              <a:t>Resultaten</a:t>
+            </a:r>
+            <a:endParaRPr lang="nl-NL" dirty="0"/>
+          </a:p>
+        </p:txBody>
+      </p:sp>
+      <p:sp>
+        <p:nvSpPr>
+          <p:cNvPr id="3" name="Content Placeholder 2"/>
+          <p:cNvSpPr>
+            <a:spLocks noGrp="1"/>
+          </p:cNvSpPr>
+          <p:nvPr>
+            <p:ph idx="1"/>
+          </p:nvPr>
+        </p:nvSpPr>
+        <p:spPr/>
+        <p:txBody>
+          <a:bodyPr/>
+          <a:lstStyle/>
+          <a:p>
+            <a:endParaRPr lang="nl-NL" dirty="0"/>
+          </a:p>
+        </p:txBody>
+      </p:sp>
+      <p:sp>
+        <p:nvSpPr>
+          <p:cNvPr id="4" name="Date Placeholder 3"/>
+          <p:cNvSpPr>
+            <a:spLocks noGrp="1"/>
+          </p:cNvSpPr>
+          <p:nvPr>
+            <p:ph type="dt" sz="half" idx="10"/>
+          </p:nvPr>
+        </p:nvSpPr>
+        <p:spPr/>
+        <p:txBody>
+          <a:bodyPr/>
+          <a:lstStyle/>
+          <a:p>
+            <a:fld id="{779BAA46-1C82-41F8-8CE2-570BC461073F}" type="datetime8">
+              <a:rPr lang="nl-NL" smtClean="0"/>
+              <a:t>27-2-2012 20:47</a:t>
+            </a:fld>
+            <a:endParaRPr lang="nl-NL"/>
+          </a:p>
+        </p:txBody>
+      </p:sp>
+      <p:sp>
+        <p:nvSpPr>
+          <p:cNvPr id="5" name="Footer Placeholder 4"/>
+          <p:cNvSpPr>
+            <a:spLocks noGrp="1"/>
+          </p:cNvSpPr>
+          <p:nvPr>
+            <p:ph type="ftr" sz="quarter" idx="11"/>
+          </p:nvPr>
+        </p:nvSpPr>
+        <p:spPr/>
+        <p:txBody>
+          <a:bodyPr/>
+          <a:lstStyle/>
+          <a:p>
+            <a:r>
+              <a:rPr lang="nl-NL" smtClean="0"/>
+              <a:t>Titel van de presentatie</a:t>
+            </a:r>
+            <a:endParaRPr lang="nl-NL"/>
+          </a:p>
+        </p:txBody>
+      </p:sp>
+      <p:sp>
+        <p:nvSpPr>
+          <p:cNvPr id="6" name="Slide Number Placeholder 5"/>
+          <p:cNvSpPr>
+            <a:spLocks noGrp="1"/>
+          </p:cNvSpPr>
+          <p:nvPr>
+            <p:ph type="sldNum" sz="quarter" idx="12"/>
+          </p:nvPr>
+        </p:nvSpPr>
+        <p:spPr/>
+        <p:txBody>
+          <a:bodyPr/>
+          <a:lstStyle/>
+          <a:p>
+            <a:fld id="{52236286-4DC8-46DE-9269-8F728FBC0641}" type="slidenum">
+              <a:rPr lang="nl-NL" smtClean="0"/>
+              <a:t>15</a:t>
+            </a:fld>
+            <a:endParaRPr lang="nl-NL"/>
+          </a:p>
+        </p:txBody>
+      </p:sp>
+      <p:pic>
+        <p:nvPicPr>
+          <p:cNvPr id="2050" name="Picture 2"/>
+          <p:cNvPicPr>
+            <a:picLocks noChangeAspect="1" noChangeArrowheads="1"/>
+          </p:cNvPicPr>
+          <p:nvPr/>
+        </p:nvPicPr>
+        <p:blipFill>
+          <a:blip r:embed="rId3">
+            <a:extLst>
+              <a:ext uri="{28A0092B-C50C-407E-A947-70E740481C1C}">
+                <a14:useLocalDpi xmlns:a14="http://schemas.microsoft.com/office/drawing/2010/main" val="0"/>
+              </a:ext>
+            </a:extLst>
+          </a:blip>
+          <a:srcRect/>
+          <a:stretch>
+            <a:fillRect/>
+          </a:stretch>
+        </p:blipFill>
+        <p:spPr bwMode="auto">
+          <a:xfrm>
+            <a:off x="0" y="1697400"/>
+            <a:ext cx="9122718" cy="5129025"/>
+          </a:xfrm>
+          <a:prstGeom prst="rect">
+            <a:avLst/>
+          </a:prstGeom>
+          <a:noFill/>
+          <a:ln>
+            <a:noFill/>
+          </a:ln>
+          <a:effectLst/>
+          <a:extLst>
+            <a:ext uri="{909E8E84-426E-40DD-AFC4-6F175D3DCCD1}">
+              <a14:hiddenFill xmlns:a14="http://schemas.microsoft.com/office/drawing/2010/main">
+                <a:solidFill>
+                  <a:schemeClr val="accent1"/>
+                </a:solidFill>
+              </a14:hiddenFill>
+            </a:ext>
+            <a:ext uri="{91240B29-F687-4F45-9708-019B960494DF}">
+              <a14:hiddenLine xmlns:a14="http://schemas.microsoft.com/office/drawing/2010/main" w="9525">
+                <a:solidFill>
+                  <a:schemeClr val="tx1"/>
+                </a:solidFill>
+                <a:miter lim="800000"/>
+                <a:headEnd/>
+                <a:tailEnd/>
+              </a14:hiddenLine>
+            </a:ext>
+            <a:ext uri="{AF507438-7753-43E0-B8FC-AC1667EBCBE1}">
+              <a14:hiddenEffects xmlns:a14="http://schemas.microsoft.com/office/drawing/2010/main">
+                <a:effectLst>
+                  <a:outerShdw dist="35921" dir="2700000" algn="ctr" rotWithShape="0">
+                    <a:schemeClr val="bg2"/>
+                  </a:outerShdw>
+                </a:effectLst>
+              </a14:hiddenEffects>
+            </a:ext>
+          </a:extLst>
+        </p:spPr>
+      </p:pic>
+    </p:spTree>
+    <p:extLst>
+      <p:ext uri="{BB962C8B-B14F-4D97-AF65-F5344CB8AC3E}">
+        <p14:creationId xmlns:p14="http://schemas.microsoft.com/office/powerpoint/2010/main" val="2203015161"/>
+      </p:ext>
+    </p:extLst>
+  </p:cSld>
+  <p:clrMapOvr>
+    <a:masterClrMapping/>
+  </p:clrMapOvr>
+  <p:timing>
+    <p:tnLst>
+      <p:par>
+        <p:cTn id="1" dur="indefinite" restart="never" nodeType="tmRoot"/>
+      </p:par>
+    </p:tnLst>
+  </p:timing>
+</p:sld>
+</file>
+
+<file path=ppt/slides/slide16.xml><?xml version="1.0" encoding="utf-8"?>
+<p:sld xmlns:a="http://schemas.openxmlformats.org/drawingml/2006/main" xmlns:r="http://schemas.openxmlformats.org/officeDocument/2006/relationships" xmlns:p="http://schemas.openxmlformats.org/presentationml/2006/main">
+  <p:cSld>
+    <p:spTree>
+      <p:nvGrpSpPr>
+        <p:cNvPr id="1" name=""/>
+        <p:cNvGrpSpPr/>
+        <p:nvPr/>
+      </p:nvGrpSpPr>
+      <p:grpSpPr>
+        <a:xfrm>
+          <a:off x="0" y="0"/>
+          <a:ext cx="0" cy="0"/>
+          <a:chOff x="0" y="0"/>
+          <a:chExt cx="0" cy="0"/>
+        </a:xfrm>
+      </p:grpSpPr>
+      <p:sp>
+        <p:nvSpPr>
+          <p:cNvPr id="2" name="Title 1"/>
+          <p:cNvSpPr>
+            <a:spLocks noGrp="1"/>
+          </p:cNvSpPr>
+          <p:nvPr>
+            <p:ph type="title"/>
+          </p:nvPr>
+        </p:nvSpPr>
+        <p:spPr/>
+        <p:txBody>
+          <a:bodyPr/>
+          <a:lstStyle/>
+          <a:p>
+            <a:r>
+              <a:rPr lang="en-US" dirty="0" err="1" smtClean="0"/>
+              <a:t>Resultaten</a:t>
+            </a:r>
+            <a:endParaRPr lang="nl-NL" dirty="0"/>
+          </a:p>
+        </p:txBody>
+      </p:sp>
+      <p:sp>
+        <p:nvSpPr>
+          <p:cNvPr id="3" name="Content Placeholder 2"/>
+          <p:cNvSpPr>
+            <a:spLocks noGrp="1"/>
+          </p:cNvSpPr>
+          <p:nvPr>
+            <p:ph idx="1"/>
+          </p:nvPr>
+        </p:nvSpPr>
+        <p:spPr/>
+        <p:txBody>
+          <a:bodyPr/>
+          <a:lstStyle/>
+          <a:p>
+            <a:r>
+              <a:rPr lang="en-US" dirty="0" smtClean="0"/>
+              <a:t>Maximum </a:t>
+            </a:r>
+            <a:r>
+              <a:rPr lang="en-US" dirty="0" err="1" smtClean="0"/>
+              <a:t>waarde</a:t>
+            </a:r>
+            <a:r>
+              <a:rPr lang="en-US" dirty="0" smtClean="0"/>
+              <a:t> van </a:t>
+            </a:r>
+            <a:r>
+              <a:rPr lang="en-US" dirty="0" err="1" smtClean="0"/>
+              <a:t>sigmoide</a:t>
+            </a:r>
+            <a:r>
+              <a:rPr lang="en-US" dirty="0" smtClean="0"/>
+              <a:t> </a:t>
+            </a:r>
+            <a:r>
+              <a:rPr lang="en-US" dirty="0" err="1" smtClean="0"/>
+              <a:t>moet</a:t>
+            </a:r>
+            <a:r>
+              <a:rPr lang="en-US" dirty="0" smtClean="0"/>
+              <a:t> </a:t>
+            </a:r>
+            <a:r>
+              <a:rPr lang="en-US" dirty="0" err="1" smtClean="0"/>
+              <a:t>klein</a:t>
+            </a:r>
+            <a:r>
+              <a:rPr lang="en-US" dirty="0" smtClean="0"/>
+              <a:t> </a:t>
+            </a:r>
+            <a:r>
+              <a:rPr lang="en-US" dirty="0" err="1" smtClean="0"/>
+              <a:t>blijven</a:t>
+            </a:r>
+            <a:r>
+              <a:rPr lang="en-US" dirty="0" smtClean="0"/>
+              <a:t>.</a:t>
+            </a:r>
+            <a:endParaRPr lang="nl-NL" dirty="0" smtClean="0"/>
+          </a:p>
+          <a:p>
+            <a:r>
+              <a:rPr lang="en-US" dirty="0" smtClean="0"/>
+              <a:t>Anders </a:t>
+            </a:r>
+            <a:r>
+              <a:rPr lang="en-US" dirty="0" err="1" smtClean="0"/>
+              <a:t>gaan</a:t>
+            </a:r>
+            <a:r>
+              <a:rPr lang="en-US" dirty="0" smtClean="0"/>
+              <a:t> agents </a:t>
+            </a:r>
+            <a:r>
+              <a:rPr lang="en-US" dirty="0" err="1" smtClean="0"/>
+              <a:t>te</a:t>
+            </a:r>
+            <a:r>
+              <a:rPr lang="en-US" dirty="0" smtClean="0"/>
+              <a:t> </a:t>
+            </a:r>
+            <a:r>
+              <a:rPr lang="en-US" dirty="0" err="1" smtClean="0"/>
+              <a:t>vroeg</a:t>
+            </a:r>
+            <a:r>
+              <a:rPr lang="en-US" dirty="0" smtClean="0"/>
+              <a:t> </a:t>
+            </a:r>
+            <a:r>
+              <a:rPr lang="en-US" dirty="0" err="1" smtClean="0"/>
+              <a:t>naar</a:t>
+            </a:r>
+            <a:r>
+              <a:rPr lang="en-US" dirty="0" smtClean="0"/>
+              <a:t> </a:t>
+            </a:r>
+            <a:r>
+              <a:rPr lang="en-US" dirty="0" err="1" smtClean="0"/>
+              <a:t>bestemming</a:t>
+            </a:r>
+            <a:r>
+              <a:rPr lang="en-US" dirty="0" smtClean="0"/>
+              <a:t>.</a:t>
+            </a:r>
+          </a:p>
+        </p:txBody>
+      </p:sp>
+      <p:sp>
+        <p:nvSpPr>
+          <p:cNvPr id="4" name="Date Placeholder 3"/>
+          <p:cNvSpPr>
+            <a:spLocks noGrp="1"/>
+          </p:cNvSpPr>
+          <p:nvPr>
+            <p:ph type="dt" sz="half" idx="10"/>
+          </p:nvPr>
+        </p:nvSpPr>
+        <p:spPr/>
+        <p:txBody>
+          <a:bodyPr/>
+          <a:lstStyle/>
+          <a:p>
+            <a:fld id="{779BAA46-1C82-41F8-8CE2-570BC461073F}" type="datetime8">
+              <a:rPr lang="nl-NL" smtClean="0"/>
+              <a:t>28-2-2012 8:36</a:t>
+            </a:fld>
+            <a:endParaRPr lang="nl-NL"/>
+          </a:p>
+        </p:txBody>
+      </p:sp>
+      <p:sp>
+        <p:nvSpPr>
+          <p:cNvPr id="5" name="Footer Placeholder 4"/>
+          <p:cNvSpPr>
+            <a:spLocks noGrp="1"/>
+          </p:cNvSpPr>
+          <p:nvPr>
+            <p:ph type="ftr" sz="quarter" idx="11"/>
+          </p:nvPr>
+        </p:nvSpPr>
+        <p:spPr/>
+        <p:txBody>
+          <a:bodyPr/>
+          <a:lstStyle/>
+          <a:p>
+            <a:r>
+              <a:rPr lang="nl-NL" smtClean="0"/>
+              <a:t>Titel van de presentatie</a:t>
+            </a:r>
+            <a:endParaRPr lang="nl-NL"/>
+          </a:p>
+        </p:txBody>
+      </p:sp>
+      <p:sp>
+        <p:nvSpPr>
+          <p:cNvPr id="6" name="Slide Number Placeholder 5"/>
+          <p:cNvSpPr>
+            <a:spLocks noGrp="1"/>
+          </p:cNvSpPr>
+          <p:nvPr>
+            <p:ph type="sldNum" sz="quarter" idx="12"/>
+          </p:nvPr>
+        </p:nvSpPr>
+        <p:spPr/>
+        <p:txBody>
+          <a:bodyPr/>
+          <a:lstStyle/>
+          <a:p>
+            <a:fld id="{52236286-4DC8-46DE-9269-8F728FBC0641}" type="slidenum">
+              <a:rPr lang="nl-NL" smtClean="0"/>
+              <a:t>16</a:t>
+            </a:fld>
+            <a:endParaRPr lang="nl-NL"/>
+          </a:p>
+        </p:txBody>
+      </p:sp>
+    </p:spTree>
+    <p:extLst>
+      <p:ext uri="{BB962C8B-B14F-4D97-AF65-F5344CB8AC3E}">
+        <p14:creationId xmlns:p14="http://schemas.microsoft.com/office/powerpoint/2010/main" val="3479031143"/>
+      </p:ext>
+    </p:extLst>
+  </p:cSld>
+  <p:clrMapOvr>
+    <a:masterClrMapping/>
+  </p:clrMapOvr>
+  <p:timing>
+    <p:tnLst>
+      <p:par>
+        <p:cTn id="1" dur="indefinite" restart="never" nodeType="tmRoot"/>
+      </p:par>
+    </p:tnLst>
+  </p:timing>
+</p:sld>
+</file>
+
+<file path=ppt/slides/slide17.xml><?xml version="1.0" encoding="utf-8"?>
+<p:sld xmlns:a="http://schemas.openxmlformats.org/drawingml/2006/main" xmlns:r="http://schemas.openxmlformats.org/officeDocument/2006/relationships" xmlns:p="http://schemas.openxmlformats.org/presentationml/2006/main">
+  <p:cSld>
+    <p:spTree>
+      <p:nvGrpSpPr>
+        <p:cNvPr id="1" name=""/>
+        <p:cNvGrpSpPr/>
+        <p:nvPr/>
+      </p:nvGrpSpPr>
+      <p:grpSpPr>
+        <a:xfrm>
+          <a:off x="0" y="0"/>
+          <a:ext cx="0" cy="0"/>
+          <a:chOff x="0" y="0"/>
+          <a:chExt cx="0" cy="0"/>
+        </a:xfrm>
+      </p:grpSpPr>
+      <p:sp>
+        <p:nvSpPr>
+          <p:cNvPr id="2" name="Title 1"/>
+          <p:cNvSpPr>
+            <a:spLocks noGrp="1"/>
+          </p:cNvSpPr>
+          <p:nvPr>
+            <p:ph type="title"/>
+          </p:nvPr>
+        </p:nvSpPr>
+        <p:spPr>
+          <a:xfrm>
+            <a:off x="1403648" y="980728"/>
+            <a:ext cx="7272338" cy="720000"/>
+          </a:xfrm>
+        </p:spPr>
+        <p:txBody>
+          <a:bodyPr/>
+          <a:lstStyle/>
+          <a:p>
+            <a:r>
+              <a:rPr lang="en-US" dirty="0" smtClean="0"/>
+              <a:t>Stand still situation</a:t>
+            </a:r>
+            <a:endParaRPr lang="nl-NL" dirty="0"/>
+          </a:p>
+        </p:txBody>
+      </p:sp>
+      <p:sp>
+        <p:nvSpPr>
+          <p:cNvPr id="4" name="Date Placeholder 3"/>
+          <p:cNvSpPr>
+            <a:spLocks noGrp="1"/>
+          </p:cNvSpPr>
+          <p:nvPr>
+            <p:ph type="dt" sz="half" idx="10"/>
+          </p:nvPr>
+        </p:nvSpPr>
+        <p:spPr/>
+        <p:txBody>
+          <a:bodyPr/>
+          <a:lstStyle/>
+          <a:p>
+            <a:fld id="{779BAA46-1C82-41F8-8CE2-570BC461073F}" type="datetime8">
+              <a:rPr lang="nl-NL" smtClean="0"/>
+              <a:t>27-2-2012 7:37</a:t>
+            </a:fld>
+            <a:endParaRPr lang="nl-NL"/>
+          </a:p>
+        </p:txBody>
+      </p:sp>
+      <p:sp>
+        <p:nvSpPr>
+          <p:cNvPr id="5" name="Footer Placeholder 4"/>
+          <p:cNvSpPr>
+            <a:spLocks noGrp="1"/>
+          </p:cNvSpPr>
+          <p:nvPr>
+            <p:ph type="ftr" sz="quarter" idx="11"/>
+          </p:nvPr>
+        </p:nvSpPr>
+        <p:spPr/>
+        <p:txBody>
+          <a:bodyPr/>
+          <a:lstStyle/>
+          <a:p>
+            <a:r>
+              <a:rPr lang="nl-NL" smtClean="0"/>
+              <a:t>Titel van de presentatie</a:t>
+            </a:r>
+            <a:endParaRPr lang="nl-NL"/>
+          </a:p>
+        </p:txBody>
+      </p:sp>
+      <p:sp>
+        <p:nvSpPr>
+          <p:cNvPr id="6" name="Slide Number Placeholder 5"/>
+          <p:cNvSpPr>
+            <a:spLocks noGrp="1"/>
+          </p:cNvSpPr>
+          <p:nvPr>
+            <p:ph type="sldNum" sz="quarter" idx="12"/>
+          </p:nvPr>
+        </p:nvSpPr>
+        <p:spPr/>
+        <p:txBody>
+          <a:bodyPr/>
+          <a:lstStyle/>
+          <a:p>
+            <a:fld id="{52236286-4DC8-46DE-9269-8F728FBC0641}" type="slidenum">
+              <a:rPr lang="nl-NL" smtClean="0"/>
+              <a:t>17</a:t>
+            </a:fld>
+            <a:endParaRPr lang="nl-NL"/>
+          </a:p>
+        </p:txBody>
+      </p:sp>
+      <p:pic>
+        <p:nvPicPr>
+          <p:cNvPr id="9" name="Content Placeholder 8"/>
+          <p:cNvPicPr>
+            <a:picLocks noGrp="1" noChangeAspect="1"/>
+          </p:cNvPicPr>
+          <p:nvPr>
+            <p:ph idx="1"/>
+          </p:nvPr>
+        </p:nvPicPr>
+        <p:blipFill>
+          <a:blip r:embed="rId2">
+            <a:extLst>
+              <a:ext uri="{28A0092B-C50C-407E-A947-70E740481C1C}">
+                <a14:useLocalDpi xmlns:a14="http://schemas.microsoft.com/office/drawing/2010/main" val="0"/>
+              </a:ext>
+            </a:extLst>
+          </a:blip>
+          <a:stretch>
+            <a:fillRect/>
+          </a:stretch>
+        </p:blipFill>
+        <p:spPr>
+          <a:xfrm>
+            <a:off x="1547664" y="2060848"/>
+            <a:ext cx="6084168" cy="4554992"/>
+          </a:xfrm>
+        </p:spPr>
+      </p:pic>
+    </p:spTree>
+    <p:extLst>
+      <p:ext uri="{BB962C8B-B14F-4D97-AF65-F5344CB8AC3E}">
+        <p14:creationId xmlns:p14="http://schemas.microsoft.com/office/powerpoint/2010/main" val="3825581042"/>
+      </p:ext>
+    </p:extLst>
+  </p:cSld>
+  <p:clrMapOvr>
+    <a:masterClrMapping/>
+  </p:clrMapOvr>
+  <p:timing>
+    <p:tnLst>
+      <p:par>
+        <p:cTn id="1" dur="indefinite" restart="never" nodeType="tmRoot"/>
+      </p:par>
+    </p:tnLst>
+  </p:timing>
+</p:sld>
+</file>
+
+<file path=ppt/slides/slide18.xml><?xml version="1.0" encoding="utf-8"?>
+<p:sld xmlns:a="http://schemas.openxmlformats.org/drawingml/2006/main" xmlns:r="http://schemas.openxmlformats.org/officeDocument/2006/relationships" xmlns:p="http://schemas.openxmlformats.org/presentationml/2006/main">
+  <p:cSld>
+    <p:spTree>
+      <p:nvGrpSpPr>
+        <p:cNvPr id="1" name=""/>
+        <p:cNvGrpSpPr/>
+        <p:nvPr/>
+      </p:nvGrpSpPr>
+      <p:grpSpPr>
+        <a:xfrm>
+          <a:off x="0" y="0"/>
+          <a:ext cx="0" cy="0"/>
+          <a:chOff x="0" y="0"/>
+          <a:chExt cx="0" cy="0"/>
+        </a:xfrm>
+      </p:grpSpPr>
+      <p:sp>
+        <p:nvSpPr>
+          <p:cNvPr id="2" name="Title 1"/>
+          <p:cNvSpPr>
+            <a:spLocks noGrp="1"/>
+          </p:cNvSpPr>
+          <p:nvPr>
+            <p:ph type="title"/>
+          </p:nvPr>
+        </p:nvSpPr>
+        <p:spPr/>
+        <p:txBody>
+          <a:bodyPr/>
+          <a:lstStyle/>
+          <a:p>
+            <a:r>
+              <a:rPr lang="en-US" dirty="0" smtClean="0"/>
+              <a:t>Toilet situation</a:t>
+            </a:r>
+            <a:endParaRPr lang="nl-NL" dirty="0"/>
+          </a:p>
+        </p:txBody>
+      </p:sp>
+      <p:sp>
+        <p:nvSpPr>
+          <p:cNvPr id="4" name="Date Placeholder 3"/>
+          <p:cNvSpPr>
+            <a:spLocks noGrp="1"/>
+          </p:cNvSpPr>
+          <p:nvPr>
+            <p:ph type="dt" sz="half" idx="10"/>
+          </p:nvPr>
+        </p:nvSpPr>
+        <p:spPr/>
+        <p:txBody>
+          <a:bodyPr/>
+          <a:lstStyle/>
+          <a:p>
+            <a:fld id="{779BAA46-1C82-41F8-8CE2-570BC461073F}" type="datetime8">
+              <a:rPr lang="nl-NL" smtClean="0"/>
+              <a:t>27-2-2012 22:33</a:t>
+            </a:fld>
+            <a:endParaRPr lang="nl-NL"/>
+          </a:p>
+        </p:txBody>
+      </p:sp>
+      <p:sp>
+        <p:nvSpPr>
+          <p:cNvPr id="5" name="Footer Placeholder 4"/>
+          <p:cNvSpPr>
+            <a:spLocks noGrp="1"/>
+          </p:cNvSpPr>
+          <p:nvPr>
+            <p:ph type="ftr" sz="quarter" idx="11"/>
+          </p:nvPr>
+        </p:nvSpPr>
+        <p:spPr/>
+        <p:txBody>
+          <a:bodyPr/>
+          <a:lstStyle/>
+          <a:p>
+            <a:r>
+              <a:rPr lang="nl-NL" smtClean="0"/>
+              <a:t>Titel van de presentatie</a:t>
+            </a:r>
+            <a:endParaRPr lang="nl-NL"/>
+          </a:p>
+        </p:txBody>
+      </p:sp>
+      <p:sp>
+        <p:nvSpPr>
+          <p:cNvPr id="6" name="Slide Number Placeholder 5"/>
+          <p:cNvSpPr>
+            <a:spLocks noGrp="1"/>
+          </p:cNvSpPr>
+          <p:nvPr>
+            <p:ph type="sldNum" sz="quarter" idx="12"/>
+          </p:nvPr>
+        </p:nvSpPr>
+        <p:spPr/>
+        <p:txBody>
+          <a:bodyPr/>
+          <a:lstStyle/>
+          <a:p>
+            <a:fld id="{52236286-4DC8-46DE-9269-8F728FBC0641}" type="slidenum">
+              <a:rPr lang="nl-NL" smtClean="0"/>
+              <a:t>18</a:t>
+            </a:fld>
+            <a:endParaRPr lang="nl-NL"/>
+          </a:p>
+        </p:txBody>
+      </p:sp>
+      <p:pic>
+        <p:nvPicPr>
+          <p:cNvPr id="7" name="Content Placeholder 6"/>
+          <p:cNvPicPr>
+            <a:picLocks noGrp="1" noChangeAspect="1"/>
+          </p:cNvPicPr>
+          <p:nvPr>
+            <p:ph idx="1"/>
+          </p:nvPr>
+        </p:nvPicPr>
+        <p:blipFill>
+          <a:blip r:embed="rId2">
+            <a:extLst>
+              <a:ext uri="{28A0092B-C50C-407E-A947-70E740481C1C}">
+                <a14:useLocalDpi xmlns:a14="http://schemas.microsoft.com/office/drawing/2010/main" val="0"/>
+              </a:ext>
+            </a:extLst>
+          </a:blip>
+          <a:stretch>
+            <a:fillRect/>
+          </a:stretch>
+        </p:blipFill>
+        <p:spPr>
+          <a:xfrm>
+            <a:off x="2368090" y="2291012"/>
+            <a:ext cx="5342858" cy="4000000"/>
+          </a:xfrm>
+          <a:prstGeom prst="rect">
+            <a:avLst/>
+          </a:prstGeom>
+        </p:spPr>
+      </p:pic>
+    </p:spTree>
+    <p:extLst>
+      <p:ext uri="{BB962C8B-B14F-4D97-AF65-F5344CB8AC3E}">
+        <p14:creationId xmlns:p14="http://schemas.microsoft.com/office/powerpoint/2010/main" val="3948901719"/>
+      </p:ext>
+    </p:extLst>
+  </p:cSld>
+  <p:clrMapOvr>
+    <a:masterClrMapping/>
+  </p:clrMapOvr>
+  <p:timing>
+    <p:tnLst>
+      <p:par>
+        <p:cTn id="1" dur="indefinite" restart="never" nodeType="tmRoot"/>
+      </p:par>
+    </p:tnLst>
+  </p:timing>
+</p:sld>
+</file>
+
+<file path=ppt/slides/slide19.xml><?xml version="1.0" encoding="utf-8"?>
+<p:sld xmlns:a="http://schemas.openxmlformats.org/drawingml/2006/main" xmlns:r="http://schemas.openxmlformats.org/officeDocument/2006/relationships" xmlns:p="http://schemas.openxmlformats.org/presentationml/2006/main">
+  <p:cSld>
+    <p:spTree>
+      <p:nvGrpSpPr>
+        <p:cNvPr id="1" name=""/>
+        <p:cNvGrpSpPr/>
+        <p:nvPr/>
+      </p:nvGrpSpPr>
+      <p:grpSpPr>
+        <a:xfrm>
+          <a:off x="0" y="0"/>
+          <a:ext cx="0" cy="0"/>
+          <a:chOff x="0" y="0"/>
+          <a:chExt cx="0" cy="0"/>
+        </a:xfrm>
+      </p:grpSpPr>
+      <p:sp>
+        <p:nvSpPr>
+          <p:cNvPr id="2" name="Title 1"/>
+          <p:cNvSpPr>
+            <a:spLocks noGrp="1"/>
+          </p:cNvSpPr>
+          <p:nvPr>
+            <p:ph type="title"/>
+          </p:nvPr>
+        </p:nvSpPr>
+        <p:spPr/>
+        <p:txBody>
+          <a:bodyPr/>
+          <a:lstStyle/>
+          <a:p>
+            <a:r>
+              <a:rPr lang="en-US" dirty="0" smtClean="0"/>
+              <a:t>Goal</a:t>
+            </a:r>
+            <a:endParaRPr lang="nl-NL" dirty="0"/>
+          </a:p>
+        </p:txBody>
+      </p:sp>
+      <p:sp>
+        <p:nvSpPr>
+          <p:cNvPr id="4" name="Date Placeholder 3"/>
+          <p:cNvSpPr>
+            <a:spLocks noGrp="1"/>
+          </p:cNvSpPr>
+          <p:nvPr>
+            <p:ph type="dt" sz="half" idx="10"/>
+          </p:nvPr>
+        </p:nvSpPr>
+        <p:spPr/>
+        <p:txBody>
+          <a:bodyPr/>
+          <a:lstStyle/>
+          <a:p>
+            <a:fld id="{779BAA46-1C82-41F8-8CE2-570BC461073F}" type="datetime8">
+              <a:rPr lang="nl-NL" smtClean="0"/>
+              <a:t>27-2-2012 22:33</a:t>
+            </a:fld>
+            <a:endParaRPr lang="nl-NL"/>
+          </a:p>
+        </p:txBody>
+      </p:sp>
+      <p:sp>
+        <p:nvSpPr>
+          <p:cNvPr id="5" name="Footer Placeholder 4"/>
+          <p:cNvSpPr>
+            <a:spLocks noGrp="1"/>
+          </p:cNvSpPr>
+          <p:nvPr>
+            <p:ph type="ftr" sz="quarter" idx="11"/>
+          </p:nvPr>
+        </p:nvSpPr>
+        <p:spPr/>
+        <p:txBody>
+          <a:bodyPr/>
+          <a:lstStyle/>
+          <a:p>
+            <a:r>
+              <a:rPr lang="nl-NL" smtClean="0"/>
+              <a:t>Titel van de presentatie</a:t>
+            </a:r>
+            <a:endParaRPr lang="nl-NL"/>
+          </a:p>
+        </p:txBody>
+      </p:sp>
+      <p:sp>
+        <p:nvSpPr>
+          <p:cNvPr id="6" name="Slide Number Placeholder 5"/>
+          <p:cNvSpPr>
+            <a:spLocks noGrp="1"/>
+          </p:cNvSpPr>
+          <p:nvPr>
+            <p:ph type="sldNum" sz="quarter" idx="12"/>
+          </p:nvPr>
+        </p:nvSpPr>
+        <p:spPr/>
+        <p:txBody>
+          <a:bodyPr/>
+          <a:lstStyle/>
+          <a:p>
+            <a:fld id="{52236286-4DC8-46DE-9269-8F728FBC0641}" type="slidenum">
+              <a:rPr lang="nl-NL" smtClean="0"/>
+              <a:t>19</a:t>
+            </a:fld>
+            <a:endParaRPr lang="nl-NL"/>
+          </a:p>
+        </p:txBody>
+      </p:sp>
+      <p:pic>
+        <p:nvPicPr>
+          <p:cNvPr id="7" name="Content Placeholder 6"/>
+          <p:cNvPicPr>
+            <a:picLocks noGrp="1" noChangeAspect="1"/>
+          </p:cNvPicPr>
+          <p:nvPr>
+            <p:ph idx="1"/>
+          </p:nvPr>
+        </p:nvPicPr>
+        <p:blipFill>
+          <a:blip r:embed="rId2">
+            <a:extLst>
+              <a:ext uri="{28A0092B-C50C-407E-A947-70E740481C1C}">
+                <a14:useLocalDpi xmlns:a14="http://schemas.microsoft.com/office/drawing/2010/main" val="0"/>
+              </a:ext>
+            </a:extLst>
+          </a:blip>
+          <a:stretch>
+            <a:fillRect/>
+          </a:stretch>
+        </p:blipFill>
+        <p:spPr>
+          <a:xfrm>
+            <a:off x="2368090" y="2291012"/>
+            <a:ext cx="5342858" cy="4000000"/>
+          </a:xfrm>
+          <a:prstGeom prst="rect">
+            <a:avLst/>
+          </a:prstGeom>
+        </p:spPr>
+      </p:pic>
+    </p:spTree>
+    <p:extLst>
+      <p:ext uri="{BB962C8B-B14F-4D97-AF65-F5344CB8AC3E}">
+        <p14:creationId xmlns:p14="http://schemas.microsoft.com/office/powerpoint/2010/main" val="4259682182"/>
       </p:ext>
     </p:extLst>
   </p:cSld>
@@ -4338,7 +6775,94 @@
           <a:p>
             <a:r>
               <a:rPr lang="en-GB" dirty="0" err="1" smtClean="0"/>
-              <a:t>Gesimuleerd</a:t>
+              <a:t>Lastig</a:t>
+            </a:r>
+            <a:r>
+              <a:rPr lang="en-GB" dirty="0" smtClean="0"/>
+              <a:t> </a:t>
+            </a:r>
+            <a:r>
+              <a:rPr lang="en-GB" dirty="0" err="1" smtClean="0"/>
+              <a:t>grote</a:t>
+            </a:r>
+            <a:r>
+              <a:rPr lang="en-GB" dirty="0" smtClean="0"/>
+              <a:t> </a:t>
+            </a:r>
+            <a:r>
+              <a:rPr lang="en-GB" dirty="0" err="1" smtClean="0"/>
+              <a:t>hoeveelheden</a:t>
+            </a:r>
+            <a:r>
+              <a:rPr lang="en-GB" dirty="0" smtClean="0"/>
+              <a:t> </a:t>
+            </a:r>
+            <a:r>
+              <a:rPr lang="en-GB" dirty="0" err="1" smtClean="0"/>
+              <a:t>voetgangers</a:t>
+            </a:r>
+            <a:r>
+              <a:rPr lang="en-GB" dirty="0" smtClean="0"/>
+              <a:t> in </a:t>
+            </a:r>
+            <a:r>
+              <a:rPr lang="en-GB" dirty="0" err="1" smtClean="0"/>
+              <a:t>simulatie</a:t>
+            </a:r>
+            <a:r>
+              <a:rPr lang="en-GB" dirty="0" smtClean="0"/>
+              <a:t> </a:t>
+            </a:r>
+            <a:r>
+              <a:rPr lang="en-GB" dirty="0" err="1" smtClean="0"/>
+              <a:t>te</a:t>
+            </a:r>
+            <a:r>
+              <a:rPr lang="en-GB" dirty="0" smtClean="0"/>
+              <a:t> </a:t>
+            </a:r>
+            <a:r>
+              <a:rPr lang="en-GB" dirty="0" err="1" smtClean="0"/>
+              <a:t>plaatsen</a:t>
+            </a:r>
+            <a:endParaRPr lang="en-GB" dirty="0" smtClean="0"/>
+          </a:p>
+          <a:p>
+            <a:r>
+              <a:rPr lang="en-GB" dirty="0" err="1" smtClean="0"/>
+              <a:t>Nuttig</a:t>
+            </a:r>
+            <a:r>
+              <a:rPr lang="en-GB" dirty="0" smtClean="0"/>
+              <a:t> </a:t>
+            </a:r>
+            <a:r>
+              <a:rPr lang="en-GB" dirty="0" err="1" smtClean="0"/>
+              <a:t>voor</a:t>
+            </a:r>
+            <a:r>
+              <a:rPr lang="en-GB" dirty="0" smtClean="0"/>
+              <a:t> </a:t>
+            </a:r>
+            <a:r>
+              <a:rPr lang="en-GB" dirty="0" err="1" smtClean="0"/>
+              <a:t>bijvoorbeeld</a:t>
+            </a:r>
+            <a:r>
+              <a:rPr lang="en-GB" dirty="0" smtClean="0"/>
+              <a:t> </a:t>
+            </a:r>
+            <a:r>
+              <a:rPr lang="en-GB" dirty="0" err="1" smtClean="0"/>
+              <a:t>herkennen</a:t>
+            </a:r>
+            <a:r>
+              <a:rPr lang="en-GB" dirty="0" smtClean="0"/>
+              <a:t> van </a:t>
+            </a:r>
+            <a:r>
+              <a:rPr lang="en-GB" dirty="0" err="1" smtClean="0"/>
+              <a:t>verdacht</a:t>
             </a:r>
             <a:r>
               <a:rPr lang="en-GB" dirty="0" smtClean="0"/>
@@ -4348,14 +6872,38 @@
               <a:rPr lang="en-GB" dirty="0" err="1" smtClean="0"/>
               <a:t>gedrag</a:t>
             </a:r>
+            <a:endParaRPr lang="en-GB" dirty="0" smtClean="0"/>
+          </a:p>
+          <a:p>
+            <a:r>
+              <a:rPr lang="en-GB" dirty="0" err="1" smtClean="0"/>
+              <a:t>Testcase</a:t>
+            </a:r>
             <a:r>
               <a:rPr lang="en-GB" dirty="0" smtClean="0"/>
-              <a:t> van </a:t>
+              <a:t>: Rotterdam airport</a:t>
+            </a:r>
+          </a:p>
+          <a:p>
+            <a:pPr lvl="1"/>
+            <a:r>
+              <a:rPr lang="en-GB" dirty="0" smtClean="0"/>
+              <a:t>“</a:t>
             </a:r>
             <a:r>
               <a:rPr lang="en-GB" dirty="0" err="1" smtClean="0"/>
-              <a:t>voetgangers</a:t>
-            </a:r>
+              <a:t>Vertrekhal-achtige</a:t>
+            </a:r>
+            <a:r>
+              <a:rPr lang="en-GB" dirty="0" smtClean="0"/>
+              <a:t>” scenarios</a:t>
+            </a:r>
+          </a:p>
+          <a:p>
+            <a:pPr lvl="1"/>
+            <a:endParaRPr lang="en-GB" dirty="0" smtClean="0"/>
+          </a:p>
+          <a:p>
             <a:endParaRPr lang="en-GB" dirty="0"/>
           </a:p>
         </p:txBody>
@@ -4434,6 +6982,549 @@
     <p:extLst>
       <p:ext uri="{BB962C8B-B14F-4D97-AF65-F5344CB8AC3E}">
         <p14:creationId xmlns:p14="http://schemas.microsoft.com/office/powerpoint/2010/main" val="115593039"/>
+      </p:ext>
+    </p:extLst>
+  </p:cSld>
+  <p:clrMapOvr>
+    <a:masterClrMapping/>
+  </p:clrMapOvr>
+  <p:timing>
+    <p:tnLst>
+      <p:par>
+        <p:cTn id="1" dur="indefinite" restart="never" nodeType="tmRoot"/>
+      </p:par>
+    </p:tnLst>
+  </p:timing>
+</p:sld>
+</file>
+
+<file path=ppt/slides/slide20.xml><?xml version="1.0" encoding="utf-8"?>
+<p:sld xmlns:a="http://schemas.openxmlformats.org/drawingml/2006/main" xmlns:r="http://schemas.openxmlformats.org/officeDocument/2006/relationships" xmlns:p="http://schemas.openxmlformats.org/presentationml/2006/main">
+  <p:cSld>
+    <p:spTree>
+      <p:nvGrpSpPr>
+        <p:cNvPr id="1" name=""/>
+        <p:cNvGrpSpPr/>
+        <p:nvPr/>
+      </p:nvGrpSpPr>
+      <p:grpSpPr>
+        <a:xfrm>
+          <a:off x="0" y="0"/>
+          <a:ext cx="0" cy="0"/>
+          <a:chOff x="0" y="0"/>
+          <a:chExt cx="0" cy="0"/>
+        </a:xfrm>
+      </p:grpSpPr>
+      <p:sp>
+        <p:nvSpPr>
+          <p:cNvPr id="2" name="Title 1"/>
+          <p:cNvSpPr>
+            <a:spLocks noGrp="1"/>
+          </p:cNvSpPr>
+          <p:nvPr>
+            <p:ph type="title"/>
+          </p:nvPr>
+        </p:nvSpPr>
+        <p:spPr/>
+        <p:txBody>
+          <a:bodyPr/>
+          <a:lstStyle/>
+          <a:p>
+            <a:r>
+              <a:rPr lang="en-US" dirty="0" err="1" smtClean="0"/>
+              <a:t>Conclusie</a:t>
+            </a:r>
+            <a:r>
+              <a:rPr lang="en-US" dirty="0" smtClean="0"/>
+              <a:t> + </a:t>
+            </a:r>
+            <a:r>
+              <a:rPr lang="en-US" dirty="0" err="1" smtClean="0"/>
+              <a:t>Discussie</a:t>
+            </a:r>
+            <a:endParaRPr lang="nl-NL" dirty="0"/>
+          </a:p>
+        </p:txBody>
+      </p:sp>
+      <p:sp>
+        <p:nvSpPr>
+          <p:cNvPr id="3" name="Content Placeholder 2"/>
+          <p:cNvSpPr>
+            <a:spLocks noGrp="1"/>
+          </p:cNvSpPr>
+          <p:nvPr>
+            <p:ph idx="1"/>
+          </p:nvPr>
+        </p:nvSpPr>
+        <p:spPr/>
+        <p:txBody>
+          <a:bodyPr/>
+          <a:lstStyle/>
+          <a:p>
+            <a:r>
+              <a:rPr lang="en-US" dirty="0" smtClean="0"/>
+              <a:t>Divers </a:t>
+            </a:r>
+            <a:r>
+              <a:rPr lang="en-US" dirty="0" err="1" smtClean="0"/>
+              <a:t>gedrag</a:t>
+            </a:r>
+            <a:r>
+              <a:rPr lang="en-US" dirty="0" smtClean="0"/>
+              <a:t> </a:t>
+            </a:r>
+            <a:r>
+              <a:rPr lang="en-US" dirty="0" err="1" smtClean="0"/>
+              <a:t>te</a:t>
+            </a:r>
+            <a:r>
+              <a:rPr lang="en-US" dirty="0" smtClean="0"/>
+              <a:t> </a:t>
+            </a:r>
+            <a:r>
+              <a:rPr lang="en-US" dirty="0" err="1" smtClean="0"/>
+              <a:t>creeeren</a:t>
+            </a:r>
+            <a:endParaRPr lang="en-US" dirty="0" smtClean="0"/>
+          </a:p>
+          <a:p>
+            <a:r>
+              <a:rPr lang="en-US" dirty="0" err="1" smtClean="0"/>
+              <a:t>Makkelijk</a:t>
+            </a:r>
+            <a:r>
+              <a:rPr lang="en-US" dirty="0" smtClean="0"/>
+              <a:t> </a:t>
+            </a:r>
+            <a:r>
+              <a:rPr lang="en-US" dirty="0" err="1" smtClean="0"/>
+              <a:t>verschillende</a:t>
+            </a:r>
+            <a:r>
+              <a:rPr lang="en-US" dirty="0" smtClean="0"/>
+              <a:t> </a:t>
+            </a:r>
+            <a:r>
+              <a:rPr lang="en-US" dirty="0" err="1" smtClean="0"/>
+              <a:t>acties</a:t>
+            </a:r>
+            <a:r>
+              <a:rPr lang="en-US" dirty="0" smtClean="0"/>
+              <a:t> </a:t>
+            </a:r>
+            <a:r>
+              <a:rPr lang="en-US" dirty="0" err="1" smtClean="0"/>
+              <a:t>aan</a:t>
+            </a:r>
+            <a:r>
+              <a:rPr lang="en-US" dirty="0" smtClean="0"/>
+              <a:t> </a:t>
+            </a:r>
+            <a:r>
+              <a:rPr lang="en-US" dirty="0" err="1" smtClean="0"/>
+              <a:t>elkaar</a:t>
+            </a:r>
+            <a:r>
+              <a:rPr lang="en-US" dirty="0" smtClean="0"/>
+              <a:t> </a:t>
+            </a:r>
+            <a:r>
+              <a:rPr lang="en-US" dirty="0" err="1" smtClean="0"/>
+              <a:t>te</a:t>
+            </a:r>
+            <a:r>
+              <a:rPr lang="en-US" dirty="0" smtClean="0"/>
+              <a:t> </a:t>
+            </a:r>
+            <a:r>
+              <a:rPr lang="en-US" dirty="0" err="1" smtClean="0"/>
+              <a:t>knopen</a:t>
+            </a:r>
+            <a:endParaRPr lang="en-US" dirty="0" smtClean="0"/>
+          </a:p>
+          <a:p>
+            <a:r>
+              <a:rPr lang="en-US" dirty="0" smtClean="0"/>
+              <a:t>Principe </a:t>
+            </a:r>
+            <a:r>
+              <a:rPr lang="en-US" dirty="0" err="1" smtClean="0"/>
+              <a:t>werkt</a:t>
+            </a:r>
+            <a:endParaRPr lang="en-US" dirty="0"/>
+          </a:p>
+          <a:p>
+            <a:r>
+              <a:rPr lang="en-US" dirty="0" err="1" smtClean="0"/>
+              <a:t>Gehaastheid</a:t>
+            </a:r>
+            <a:r>
+              <a:rPr lang="en-US" dirty="0" smtClean="0"/>
+              <a:t> </a:t>
+            </a:r>
+            <a:r>
+              <a:rPr lang="en-US" dirty="0" err="1" smtClean="0"/>
+              <a:t>makkelijk</a:t>
+            </a:r>
+            <a:r>
+              <a:rPr lang="en-US" dirty="0" smtClean="0"/>
+              <a:t> </a:t>
+            </a:r>
+            <a:r>
+              <a:rPr lang="en-US" dirty="0" err="1" smtClean="0"/>
+              <a:t>aan</a:t>
+            </a:r>
+            <a:r>
+              <a:rPr lang="en-US" dirty="0" smtClean="0"/>
+              <a:t> </a:t>
+            </a:r>
+            <a:r>
+              <a:rPr lang="en-US" dirty="0" err="1" smtClean="0"/>
+              <a:t>te</a:t>
+            </a:r>
+            <a:r>
+              <a:rPr lang="en-US" dirty="0" smtClean="0"/>
+              <a:t> </a:t>
+            </a:r>
+            <a:r>
+              <a:rPr lang="en-US" dirty="0" err="1" smtClean="0"/>
+              <a:t>passen</a:t>
+            </a:r>
+            <a:r>
+              <a:rPr lang="en-US" dirty="0" smtClean="0"/>
+              <a:t> door </a:t>
+            </a:r>
+            <a:r>
+              <a:rPr lang="en-US" dirty="0" err="1" smtClean="0"/>
+              <a:t>functie</a:t>
+            </a:r>
+            <a:r>
+              <a:rPr lang="en-US" dirty="0" smtClean="0"/>
+              <a:t> </a:t>
+            </a:r>
+            <a:r>
+              <a:rPr lang="en-US" dirty="0" err="1" smtClean="0"/>
+              <a:t>te</a:t>
+            </a:r>
+            <a:r>
+              <a:rPr lang="en-US" dirty="0" smtClean="0"/>
+              <a:t> </a:t>
+            </a:r>
+            <a:r>
+              <a:rPr lang="en-US" dirty="0" err="1" smtClean="0"/>
+              <a:t>veranderen</a:t>
+            </a:r>
+            <a:r>
+              <a:rPr lang="en-US" dirty="0" smtClean="0"/>
+              <a:t>.</a:t>
+            </a:r>
+            <a:endParaRPr lang="en-US" dirty="0" smtClean="0"/>
+          </a:p>
+          <a:p>
+            <a:r>
+              <a:rPr lang="en-US" dirty="0" err="1" smtClean="0"/>
+              <a:t>Beperkingen</a:t>
+            </a:r>
+            <a:endParaRPr lang="en-US" dirty="0"/>
+          </a:p>
+          <a:p>
+            <a:pPr lvl="1"/>
+            <a:r>
+              <a:rPr lang="en-US" dirty="0" err="1" smtClean="0"/>
+              <a:t>Vooral</a:t>
+            </a:r>
+            <a:r>
+              <a:rPr lang="en-US" dirty="0" smtClean="0"/>
+              <a:t> </a:t>
+            </a:r>
+            <a:r>
+              <a:rPr lang="en-US" dirty="0" err="1" smtClean="0"/>
+              <a:t>bedoeld</a:t>
+            </a:r>
+            <a:r>
+              <a:rPr lang="en-US" dirty="0" smtClean="0"/>
+              <a:t> </a:t>
+            </a:r>
+            <a:r>
+              <a:rPr lang="en-US" dirty="0" err="1" smtClean="0"/>
+              <a:t>voor</a:t>
+            </a:r>
+            <a:r>
+              <a:rPr lang="en-US" dirty="0" smtClean="0"/>
+              <a:t> </a:t>
+            </a:r>
+            <a:r>
+              <a:rPr lang="en-US" dirty="0" err="1" smtClean="0"/>
+              <a:t>sequentieel</a:t>
+            </a:r>
+            <a:r>
+              <a:rPr lang="en-US" dirty="0" smtClean="0"/>
+              <a:t> </a:t>
+            </a:r>
+            <a:r>
+              <a:rPr lang="en-US" dirty="0" err="1" smtClean="0"/>
+              <a:t>gedrag</a:t>
+            </a:r>
+            <a:r>
+              <a:rPr lang="en-US" dirty="0" smtClean="0"/>
+              <a:t>.</a:t>
+            </a:r>
+          </a:p>
+          <a:p>
+            <a:pPr lvl="1"/>
+            <a:r>
+              <a:rPr lang="en-US" dirty="0" err="1" smtClean="0"/>
+              <a:t>Misschien</a:t>
+            </a:r>
+            <a:r>
+              <a:rPr lang="en-US" dirty="0" smtClean="0"/>
+              <a:t> </a:t>
+            </a:r>
+            <a:r>
+              <a:rPr lang="en-US" dirty="0" err="1" smtClean="0"/>
+              <a:t>te</a:t>
+            </a:r>
+            <a:r>
+              <a:rPr lang="en-US" dirty="0" smtClean="0"/>
+              <a:t> </a:t>
+            </a:r>
+            <a:r>
+              <a:rPr lang="en-US" dirty="0" err="1" smtClean="0"/>
+              <a:t>vrij</a:t>
+            </a:r>
+            <a:r>
+              <a:rPr lang="en-US" dirty="0" smtClean="0"/>
+              <a:t>?</a:t>
+            </a:r>
+            <a:endParaRPr lang="nl-NL" dirty="0"/>
+          </a:p>
+        </p:txBody>
+      </p:sp>
+      <p:sp>
+        <p:nvSpPr>
+          <p:cNvPr id="4" name="Date Placeholder 3"/>
+          <p:cNvSpPr>
+            <a:spLocks noGrp="1"/>
+          </p:cNvSpPr>
+          <p:nvPr>
+            <p:ph type="dt" sz="half" idx="10"/>
+          </p:nvPr>
+        </p:nvSpPr>
+        <p:spPr/>
+        <p:txBody>
+          <a:bodyPr/>
+          <a:lstStyle/>
+          <a:p>
+            <a:fld id="{779BAA46-1C82-41F8-8CE2-570BC461073F}" type="datetime8">
+              <a:rPr lang="nl-NL" smtClean="0"/>
+              <a:t>27-2-2012 7:37</a:t>
+            </a:fld>
+            <a:endParaRPr lang="nl-NL"/>
+          </a:p>
+        </p:txBody>
+      </p:sp>
+      <p:sp>
+        <p:nvSpPr>
+          <p:cNvPr id="5" name="Footer Placeholder 4"/>
+          <p:cNvSpPr>
+            <a:spLocks noGrp="1"/>
+          </p:cNvSpPr>
+          <p:nvPr>
+            <p:ph type="ftr" sz="quarter" idx="11"/>
+          </p:nvPr>
+        </p:nvSpPr>
+        <p:spPr/>
+        <p:txBody>
+          <a:bodyPr/>
+          <a:lstStyle/>
+          <a:p>
+            <a:r>
+              <a:rPr lang="nl-NL" smtClean="0"/>
+              <a:t>Titel van de presentatie</a:t>
+            </a:r>
+            <a:endParaRPr lang="nl-NL"/>
+          </a:p>
+        </p:txBody>
+      </p:sp>
+      <p:sp>
+        <p:nvSpPr>
+          <p:cNvPr id="6" name="Slide Number Placeholder 5"/>
+          <p:cNvSpPr>
+            <a:spLocks noGrp="1"/>
+          </p:cNvSpPr>
+          <p:nvPr>
+            <p:ph type="sldNum" sz="quarter" idx="12"/>
+          </p:nvPr>
+        </p:nvSpPr>
+        <p:spPr/>
+        <p:txBody>
+          <a:bodyPr/>
+          <a:lstStyle/>
+          <a:p>
+            <a:fld id="{52236286-4DC8-46DE-9269-8F728FBC0641}" type="slidenum">
+              <a:rPr lang="nl-NL" smtClean="0"/>
+              <a:t>20</a:t>
+            </a:fld>
+            <a:endParaRPr lang="nl-NL"/>
+          </a:p>
+        </p:txBody>
+      </p:sp>
+    </p:spTree>
+    <p:extLst>
+      <p:ext uri="{BB962C8B-B14F-4D97-AF65-F5344CB8AC3E}">
+        <p14:creationId xmlns:p14="http://schemas.microsoft.com/office/powerpoint/2010/main" val="1152236447"/>
+      </p:ext>
+    </p:extLst>
+  </p:cSld>
+  <p:clrMapOvr>
+    <a:masterClrMapping/>
+  </p:clrMapOvr>
+  <p:timing>
+    <p:tnLst>
+      <p:par>
+        <p:cTn id="1" dur="indefinite" restart="never" nodeType="tmRoot"/>
+      </p:par>
+    </p:tnLst>
+  </p:timing>
+</p:sld>
+</file>
+
+<file path=ppt/slides/slide21.xml><?xml version="1.0" encoding="utf-8"?>
+<p:sld xmlns:a="http://schemas.openxmlformats.org/drawingml/2006/main" xmlns:r="http://schemas.openxmlformats.org/officeDocument/2006/relationships" xmlns:p="http://schemas.openxmlformats.org/presentationml/2006/main">
+  <p:cSld>
+    <p:spTree>
+      <p:nvGrpSpPr>
+        <p:cNvPr id="1" name=""/>
+        <p:cNvGrpSpPr/>
+        <p:nvPr/>
+      </p:nvGrpSpPr>
+      <p:grpSpPr>
+        <a:xfrm>
+          <a:off x="0" y="0"/>
+          <a:ext cx="0" cy="0"/>
+          <a:chOff x="0" y="0"/>
+          <a:chExt cx="0" cy="0"/>
+        </a:xfrm>
+      </p:grpSpPr>
+      <p:sp>
+        <p:nvSpPr>
+          <p:cNvPr id="2" name="Title 1"/>
+          <p:cNvSpPr>
+            <a:spLocks noGrp="1"/>
+          </p:cNvSpPr>
+          <p:nvPr>
+            <p:ph type="title"/>
+          </p:nvPr>
+        </p:nvSpPr>
+        <p:spPr/>
+        <p:txBody>
+          <a:bodyPr/>
+          <a:lstStyle/>
+          <a:p>
+            <a:r>
+              <a:rPr lang="en-US" dirty="0" err="1" smtClean="0"/>
+              <a:t>Vragen</a:t>
+            </a:r>
+            <a:r>
+              <a:rPr lang="en-US" dirty="0" smtClean="0"/>
+              <a:t>?</a:t>
+            </a:r>
+            <a:endParaRPr lang="nl-NL" dirty="0"/>
+          </a:p>
+        </p:txBody>
+      </p:sp>
+      <p:sp>
+        <p:nvSpPr>
+          <p:cNvPr id="3" name="Content Placeholder 2"/>
+          <p:cNvSpPr>
+            <a:spLocks noGrp="1"/>
+          </p:cNvSpPr>
+          <p:nvPr>
+            <p:ph idx="1"/>
+          </p:nvPr>
+        </p:nvSpPr>
+        <p:spPr/>
+        <p:txBody>
+          <a:bodyPr/>
+          <a:lstStyle/>
+          <a:p>
+            <a:endParaRPr lang="nl-NL"/>
+          </a:p>
+        </p:txBody>
+      </p:sp>
+      <p:sp>
+        <p:nvSpPr>
+          <p:cNvPr id="4" name="Date Placeholder 3"/>
+          <p:cNvSpPr>
+            <a:spLocks noGrp="1"/>
+          </p:cNvSpPr>
+          <p:nvPr>
+            <p:ph type="dt" sz="half" idx="10"/>
+          </p:nvPr>
+        </p:nvSpPr>
+        <p:spPr/>
+        <p:txBody>
+          <a:bodyPr/>
+          <a:lstStyle/>
+          <a:p>
+            <a:fld id="{779BAA46-1C82-41F8-8CE2-570BC461073F}" type="datetime8">
+              <a:rPr lang="nl-NL" smtClean="0"/>
+              <a:t>27-2-2012 7:37</a:t>
+            </a:fld>
+            <a:endParaRPr lang="nl-NL"/>
+          </a:p>
+        </p:txBody>
+      </p:sp>
+      <p:sp>
+        <p:nvSpPr>
+          <p:cNvPr id="5" name="Footer Placeholder 4"/>
+          <p:cNvSpPr>
+            <a:spLocks noGrp="1"/>
+          </p:cNvSpPr>
+          <p:nvPr>
+            <p:ph type="ftr" sz="quarter" idx="11"/>
+          </p:nvPr>
+        </p:nvSpPr>
+        <p:spPr/>
+        <p:txBody>
+          <a:bodyPr/>
+          <a:lstStyle/>
+          <a:p>
+            <a:r>
+              <a:rPr lang="nl-NL" smtClean="0"/>
+              <a:t>Titel van de presentatie</a:t>
+            </a:r>
+            <a:endParaRPr lang="nl-NL"/>
+          </a:p>
+        </p:txBody>
+      </p:sp>
+      <p:sp>
+        <p:nvSpPr>
+          <p:cNvPr id="6" name="Slide Number Placeholder 5"/>
+          <p:cNvSpPr>
+            <a:spLocks noGrp="1"/>
+          </p:cNvSpPr>
+          <p:nvPr>
+            <p:ph type="sldNum" sz="quarter" idx="12"/>
+          </p:nvPr>
+        </p:nvSpPr>
+        <p:spPr/>
+        <p:txBody>
+          <a:bodyPr/>
+          <a:lstStyle/>
+          <a:p>
+            <a:fld id="{52236286-4DC8-46DE-9269-8F728FBC0641}" type="slidenum">
+              <a:rPr lang="nl-NL" smtClean="0"/>
+              <a:t>21</a:t>
+            </a:fld>
+            <a:endParaRPr lang="nl-NL"/>
+          </a:p>
+        </p:txBody>
+      </p:sp>
+    </p:spTree>
+    <p:extLst>
+      <p:ext uri="{BB962C8B-B14F-4D97-AF65-F5344CB8AC3E}">
+        <p14:creationId xmlns:p14="http://schemas.microsoft.com/office/powerpoint/2010/main" val="4045587664"/>
       </p:ext>
     </p:extLst>
   </p:cSld>
@@ -4513,13 +7604,38 @@
           <a:p>
             <a:pPr lvl="1"/>
             <a:r>
-              <a:rPr lang="en-US" dirty="0" err="1" smtClean="0"/>
-              <a:t>Facillitates</a:t>
-            </a:r>
-            <a:r>
-              <a:rPr lang="en-US" dirty="0" smtClean="0"/>
-              <a:t> placing large numbers of pedestrians in environment</a:t>
-            </a:r>
+              <a:rPr lang="en-US" dirty="0" smtClean="0"/>
+              <a:t>Grote </a:t>
+            </a:r>
+            <a:r>
+              <a:rPr lang="en-US" dirty="0" err="1" smtClean="0"/>
+              <a:t>hoeveelheden</a:t>
+            </a:r>
+            <a:r>
+              <a:rPr lang="en-US" dirty="0" smtClean="0"/>
+              <a:t> </a:t>
+            </a:r>
+            <a:r>
+              <a:rPr lang="en-US" dirty="0" err="1" smtClean="0"/>
+              <a:t>mensen</a:t>
+            </a:r>
+            <a:r>
+              <a:rPr lang="en-US" dirty="0" smtClean="0"/>
+              <a:t> </a:t>
+            </a:r>
+            <a:r>
+              <a:rPr lang="en-US" dirty="0" err="1" smtClean="0"/>
+              <a:t>plaatsen</a:t>
+            </a:r>
+            <a:r>
+              <a:rPr lang="en-US" dirty="0" smtClean="0"/>
+              <a:t> in </a:t>
+            </a:r>
+            <a:r>
+              <a:rPr lang="en-US" dirty="0" err="1" smtClean="0"/>
+              <a:t>omgeving</a:t>
+            </a:r>
+            <a:endParaRPr lang="en-US" dirty="0" smtClean="0"/>
           </a:p>
           <a:p>
             <a:pPr lvl="1"/>
@@ -4531,8 +7647,16 @@
           <a:p>
             <a:pPr lvl="1"/>
             <a:r>
-              <a:rPr lang="en-US" dirty="0" smtClean="0"/>
-              <a:t>Draw residential areas and factories</a:t>
+              <a:rPr lang="en-US" dirty="0" err="1" smtClean="0"/>
+              <a:t>Teken</a:t>
+            </a:r>
+            <a:r>
+              <a:rPr lang="en-US" dirty="0" smtClean="0"/>
+              <a:t> residential </a:t>
+            </a:r>
+            <a:r>
+              <a:rPr lang="en-US" dirty="0" smtClean="0"/>
+              <a:t>areas and factories</a:t>
             </a:r>
             <a:endParaRPr lang="nl-NL" dirty="0"/>
           </a:p>
@@ -4555,7 +7679,7 @@
           <a:p>
             <a:fld id="{779BAA46-1C82-41F8-8CE2-570BC461073F}" type="datetime8">
               <a:rPr lang="nl-NL" smtClean="0"/>
-              <a:t>26-2-2012 14:30</a:t>
+              <a:t>27-2-2012 7:37</a:t>
             </a:fld>
             <a:endParaRPr lang="nl-NL"/>
           </a:p>
@@ -4869,7 +7993,7 @@
           <a:p>
             <a:fld id="{779BAA46-1C82-41F8-8CE2-570BC461073F}" type="datetime8">
               <a:rPr lang="nl-NL" smtClean="0"/>
-              <a:t>26-2-2012 20:51</a:t>
+              <a:t>27-2-2012 7:37</a:t>
             </a:fld>
             <a:endParaRPr lang="nl-NL"/>
           </a:p>
@@ -5258,7 +8382,7 @@
           <a:p>
             <a:fld id="{779BAA46-1C82-41F8-8CE2-570BC461073F}" type="datetime8">
               <a:rPr lang="nl-NL" smtClean="0"/>
-              <a:t>26-2-2012 14:30</a:t>
+              <a:t>27-2-2012 7:37</a:t>
             </a:fld>
             <a:endParaRPr lang="nl-NL"/>
           </a:p>
@@ -5374,26 +8498,6 @@
               <a:rPr lang="en-US" dirty="0" err="1" smtClean="0"/>
               <a:t>onderzoek</a:t>
             </a:r>
-            <a:r>
-              <a:rPr lang="en-US" dirty="0" smtClean="0"/>
-              <a:t> (</a:t>
-            </a:r>
-            <a:r>
-              <a:rPr lang="en-US" dirty="0" err="1" smtClean="0"/>
-              <a:t>Houden</a:t>
-            </a:r>
-            <a:r>
-              <a:rPr lang="en-US" dirty="0" smtClean="0"/>
-              <a:t> of </a:t>
-            </a:r>
-            <a:r>
-              <a:rPr lang="en-US" dirty="0" err="1" smtClean="0"/>
-              <a:t>weglaten</a:t>
-            </a:r>
-            <a:r>
-              <a:rPr lang="en-US" dirty="0" smtClean="0"/>
-              <a:t>?)</a:t>
-            </a:r>
             <a:endParaRPr lang="nl-NL" dirty="0"/>
           </a:p>
         </p:txBody>
@@ -5450,7 +8554,7 @@
           <a:p>
             <a:fld id="{779BAA46-1C82-41F8-8CE2-570BC461073F}" type="datetime8">
               <a:rPr lang="nl-NL" smtClean="0"/>
-              <a:t>26-2-2012 14:30</a:t>
+              <a:t>27-2-2012 19:20</a:t>
             </a:fld>
             <a:endParaRPr lang="nl-NL"/>
           </a:p>
@@ -5502,6 +8606,47 @@
           </a:p>
         </p:txBody>
       </p:sp>
+      <p:pic>
+        <p:nvPicPr>
+          <p:cNvPr id="1026" name="Picture 2" descr="Free+Downlaod+Games+The+sims+3.jpg (800×598)"/>
+          <p:cNvPicPr>
+            <a:picLocks noChangeAspect="1" noChangeArrowheads="1"/>
+          </p:cNvPicPr>
+          <p:nvPr/>
+        </p:nvPicPr>
+        <p:blipFill>
+          <a:blip r:embed="rId3">
+            <a:extLst>
+              <a:ext uri="{28A0092B-C50C-407E-A947-70E740481C1C}">
+                <a14:useLocalDpi xmlns:a14="http://schemas.microsoft.com/office/drawing/2010/main" val="0"/>
+              </a:ext>
+            </a:extLst>
+          </a:blip>
+          <a:srcRect/>
+          <a:stretch>
+            <a:fillRect/>
+          </a:stretch>
+        </p:blipFill>
+        <p:spPr bwMode="auto">
+          <a:xfrm>
+            <a:off x="3347864" y="2283404"/>
+            <a:ext cx="5459760" cy="4081171"/>
+          </a:xfrm>
+          <a:prstGeom prst="rect">
+            <a:avLst/>
+          </a:prstGeom>
+          <a:noFill/>
+          <a:extLst>
+            <a:ext uri="{909E8E84-426E-40DD-AFC4-6F175D3DCCD1}">
+              <a14:hiddenFill xmlns:a14="http://schemas.microsoft.com/office/drawing/2010/main">
+                <a:solidFill>
+                  <a:srgbClr val="FFFFFF"/>
+                </a:solidFill>
+              </a14:hiddenFill>
+            </a:ext>
+          </a:extLst>
+        </p:spPr>
+      </p:pic>
     </p:spTree>
     <p:extLst>
       <p:ext uri="{BB962C8B-B14F-4D97-AF65-F5344CB8AC3E}">
@@ -5612,7 +8757,7 @@
           <a:p>
             <a:fld id="{779BAA46-1C82-41F8-8CE2-570BC461073F}" type="datetime8">
               <a:rPr lang="nl-NL" smtClean="0"/>
-              <a:t>26-2-2012 14:30</a:t>
+              <a:t>27-2-2012 7:37</a:t>
             </a:fld>
             <a:endParaRPr lang="nl-NL"/>
           </a:p>
@@ -5811,7 +8956,7 @@
           <a:p>
             <a:fld id="{779BAA46-1C82-41F8-8CE2-570BC461073F}" type="datetime8">
               <a:rPr lang="nl-NL" smtClean="0"/>
-              <a:t>26-2-2012 14:30</a:t>
+              <a:t>27-2-2012 7:37</a:t>
             </a:fld>
             <a:endParaRPr lang="nl-NL"/>
           </a:p>
@@ -5959,7 +9104,7 @@
           <a:p>
             <a:fld id="{779BAA46-1C82-41F8-8CE2-570BC461073F}" type="datetime8">
               <a:rPr lang="nl-NL" smtClean="0"/>
-              <a:t>26-2-2012 14:30</a:t>
+              <a:t>27-2-2012 7:37</a:t>
             </a:fld>
             <a:endParaRPr lang="nl-NL"/>
           </a:p>
